--- a/vault-consul/delivery/03__Vault_architecture.pptx
+++ b/vault-consul/delivery/03__Vault_architecture.pptx
@@ -8,7 +8,7 @@
     <p:notesMasterId r:id="rId5"/>
   </p:notesMasterIdLst>
   <p:handoutMasterIdLst>
-    <p:handoutMasterId r:id="rId25"/>
+    <p:handoutMasterId r:id="rId41"/>
   </p:handoutMasterIdLst>
   <p:sldIdLst>
     <p:sldId id="256" r:id="rId3"/>
@@ -32,6 +32,22 @@
     <p:sldId id="274" r:id="rId22"/>
     <p:sldId id="275" r:id="rId23"/>
     <p:sldId id="276" r:id="rId24"/>
+    <p:sldId id="277" r:id="rId25"/>
+    <p:sldId id="278" r:id="rId26"/>
+    <p:sldId id="279" r:id="rId27"/>
+    <p:sldId id="280" r:id="rId28"/>
+    <p:sldId id="281" r:id="rId29"/>
+    <p:sldId id="282" r:id="rId30"/>
+    <p:sldId id="283" r:id="rId31"/>
+    <p:sldId id="284" r:id="rId32"/>
+    <p:sldId id="285" r:id="rId33"/>
+    <p:sldId id="286" r:id="rId34"/>
+    <p:sldId id="287" r:id="rId35"/>
+    <p:sldId id="288" r:id="rId36"/>
+    <p:sldId id="289" r:id="rId37"/>
+    <p:sldId id="290" r:id="rId38"/>
+    <p:sldId id="291" r:id="rId39"/>
+    <p:sldId id="292" r:id="rId40"/>
   </p:sldIdLst>
   <p:sldSz cx="9372600" cy="8297545"/>
   <p:notesSz cx="7315200" cy="9601200"/>
@@ -1190,6 +1206,466 @@
 </p:notes>
 </file>
 
+<file path=ppt/notesSlides/notesSlide15.xml><?xml version="1.0" encoding="utf-8"?>
+<p:notes xmlns:a="http://schemas.openxmlformats.org/drawingml/2006/main" xmlns:r="http://schemas.openxmlformats.org/officeDocument/2006/relationships" xmlns:p="http://schemas.openxmlformats.org/presentationml/2006/main">
+  <p:cSld>
+    <p:spTree>
+      <p:nvGrpSpPr>
+        <p:cNvPr id="1" name=""/>
+        <p:cNvGrpSpPr/>
+        <p:nvPr/>
+      </p:nvGrpSpPr>
+      <p:grpSpPr>
+        <a:xfrm>
+          <a:off x="0" y="0"/>
+          <a:ext cx="0" cy="0"/>
+          <a:chOff x="0" y="0"/>
+          <a:chExt cx="0" cy="0"/>
+        </a:xfrm>
+      </p:grpSpPr>
+      <p:sp>
+        <p:nvSpPr>
+          <p:cNvPr id="2" name="Slide Image Placeholder 1"/>
+          <p:cNvSpPr>
+            <a:spLocks noGrp="true"/>
+          </p:cNvSpPr>
+          <p:nvPr>
+            <p:ph type="sldImg" idx="2"/>
+          </p:nvPr>
+        </p:nvSpPr>
+        <p:spPr/>
+      </p:sp>
+      <p:sp>
+        <p:nvSpPr>
+          <p:cNvPr id="3" name="Slide Number Placeholder 2"/>
+          <p:cNvSpPr>
+            <a:spLocks noGrp="true"/>
+          </p:cNvSpPr>
+          <p:nvPr>
+            <p:ph type="sldNum" sz="quarter" idx="5"/>
+          </p:nvPr>
+        </p:nvSpPr>
+        <p:spPr/>
+      </p:sp>
+      <p:sp>
+        <p:nvSpPr>
+          <p:cNvPr id="4" name="Notes Placeholder 3"/>
+          <p:cNvSpPr>
+            <a:spLocks noGrp="true"/>
+          </p:cNvSpPr>
+          <p:nvPr>
+            <p:ph type="body" sz="quarter" idx="3"/>
+          </p:nvPr>
+        </p:nvSpPr>
+        <p:spPr/>
+        <p:txBody>
+          <a:bodyPr/>
+          <a:lstStyle/>
+          <a:p>
+            <a:r>
+              <a:t> The client sends an authentication request to Vault, specifying the auth method and credentials to be used.</a:t>
+            </a:r>
+          </a:p>
+          <a:p>
+            <a:r>
+              <a:t> Vault forwards those credentials to the appropriate authentication backend for verification.</a:t>
+            </a:r>
+          </a:p>
+          <a:p>
+            <a:r>
+              <a:t> Vault receives approval from the appropriate authentication backend and returns an access token to the requestor based on the policies associated with the requestor.</a:t>
+            </a:r>
+          </a:p>
+          <a:p>
+            <a:r>
+              <a:t> The Vault client uses the access token to issue a read request to the associated path to generate database credentials.</a:t>
+            </a:r>
+          </a:p>
+          <a:p>
+            <a:r>
+              <a:t> Vault validates the token and the associated policy to determine whether access to a database credential should be granted.</a:t>
+            </a:r>
+          </a:p>
+          <a:p>
+            <a:r>
+              <a:t> If the token is permitted to access the requested path, Vault will use pre-configured database credentials to generate temporary database credentials based on the policy associated with the requestor. The database credentials are returned to the requestor.</a:t>
+            </a:r>
+          </a:p>
+        </p:txBody>
+      </p:sp>
+    </p:spTree>
+  </p:cSld>
+  <p:clrMapOvr>
+    <a:masterClrMapping/>
+  </p:clrMapOvr>
+</p:notes>
+</file>
+
+<file path=ppt/notesSlides/notesSlide16.xml><?xml version="1.0" encoding="utf-8"?>
+<p:notes xmlns:a="http://schemas.openxmlformats.org/drawingml/2006/main" xmlns:r="http://schemas.openxmlformats.org/officeDocument/2006/relationships" xmlns:p="http://schemas.openxmlformats.org/presentationml/2006/main">
+  <p:cSld>
+    <p:spTree>
+      <p:nvGrpSpPr>
+        <p:cNvPr id="1" name=""/>
+        <p:cNvGrpSpPr/>
+        <p:nvPr/>
+      </p:nvGrpSpPr>
+      <p:grpSpPr>
+        <a:xfrm>
+          <a:off x="0" y="0"/>
+          <a:ext cx="0" cy="0"/>
+          <a:chOff x="0" y="0"/>
+          <a:chExt cx="0" cy="0"/>
+        </a:xfrm>
+      </p:grpSpPr>
+      <p:sp>
+        <p:nvSpPr>
+          <p:cNvPr id="2" name="Slide Image Placeholder 1"/>
+          <p:cNvSpPr>
+            <a:spLocks noGrp="true"/>
+          </p:cNvSpPr>
+          <p:nvPr>
+            <p:ph type="sldImg" idx="2"/>
+          </p:nvPr>
+        </p:nvSpPr>
+        <p:spPr/>
+      </p:sp>
+      <p:sp>
+        <p:nvSpPr>
+          <p:cNvPr id="3" name="Slide Number Placeholder 2"/>
+          <p:cNvSpPr>
+            <a:spLocks noGrp="true"/>
+          </p:cNvSpPr>
+          <p:nvPr>
+            <p:ph type="sldNum" sz="quarter" idx="5"/>
+          </p:nvPr>
+        </p:nvSpPr>
+        <p:spPr/>
+      </p:sp>
+      <p:sp>
+        <p:nvSpPr>
+          <p:cNvPr id="4" name="Notes Placeholder 3"/>
+          <p:cNvSpPr>
+            <a:spLocks noGrp="true"/>
+          </p:cNvSpPr>
+          <p:nvPr>
+            <p:ph type="body" sz="quarter" idx="3"/>
+          </p:nvPr>
+        </p:nvSpPr>
+        <p:spPr/>
+        <p:txBody>
+          <a:bodyPr/>
+          <a:lstStyle/>
+          <a:p>
+            <a:r>
+              <a:t> Figure 1-1 illustrates the database example, where a Vault client needs access to database credentials to read data inside the database.</a:t>
+            </a:r>
+          </a:p>
+          <a:p>
+            <a:r>
+              <a:t> Phase 1 of this example includes the configuration of the LDAP and Cloud auth method, the policy creation, and the database secrets engine configuration.</a:t>
+            </a:r>
+          </a:p>
+          <a:p>
+            <a:r>
+              <a:t> When a Vault client sends an authentication request using LDAP, for example, the workflow in Phase 2 is executed.</a:t>
+            </a:r>
+          </a:p>
+          <a:p>
+            <a:r>
+              <a:t> The client obtains a token and requests database credentials.</a:t>
+            </a:r>
+          </a:p>
+          <a:p>
+            <a:r>
+              <a:t> Once the client interaction is completed, the token will expire, and the database credentials will be revoked.</a:t>
+            </a:r>
+          </a:p>
+        </p:txBody>
+      </p:sp>
+    </p:spTree>
+  </p:cSld>
+  <p:clrMapOvr>
+    <a:masterClrMapping/>
+  </p:clrMapOvr>
+</p:notes>
+</file>
+
+<file path=ppt/notesSlides/notesSlide17.xml><?xml version="1.0" encoding="utf-8"?>
+<p:notes xmlns:a="http://schemas.openxmlformats.org/drawingml/2006/main" xmlns:r="http://schemas.openxmlformats.org/officeDocument/2006/relationships" xmlns:p="http://schemas.openxmlformats.org/presentationml/2006/main">
+  <p:cSld>
+    <p:spTree>
+      <p:nvGrpSpPr>
+        <p:cNvPr id="1" name=""/>
+        <p:cNvGrpSpPr/>
+        <p:nvPr/>
+      </p:nvGrpSpPr>
+      <p:grpSpPr>
+        <a:xfrm>
+          <a:off x="0" y="0"/>
+          <a:ext cx="0" cy="0"/>
+          <a:chOff x="0" y="0"/>
+          <a:chExt cx="0" cy="0"/>
+        </a:xfrm>
+      </p:grpSpPr>
+      <p:sp>
+        <p:nvSpPr>
+          <p:cNvPr id="2" name="Slide Image Placeholder 1"/>
+          <p:cNvSpPr>
+            <a:spLocks noGrp="true"/>
+          </p:cNvSpPr>
+          <p:nvPr>
+            <p:ph type="sldImg" idx="2"/>
+          </p:nvPr>
+        </p:nvSpPr>
+        <p:spPr/>
+      </p:sp>
+      <p:sp>
+        <p:nvSpPr>
+          <p:cNvPr id="3" name="Slide Number Placeholder 2"/>
+          <p:cNvSpPr>
+            <a:spLocks noGrp="true"/>
+          </p:cNvSpPr>
+          <p:nvPr>
+            <p:ph type="sldNum" sz="quarter" idx="5"/>
+          </p:nvPr>
+        </p:nvSpPr>
+        <p:spPr/>
+      </p:sp>
+      <p:sp>
+        <p:nvSpPr>
+          <p:cNvPr id="4" name="Notes Placeholder 3"/>
+          <p:cNvSpPr>
+            <a:spLocks noGrp="true"/>
+          </p:cNvSpPr>
+          <p:nvPr>
+            <p:ph type="body" sz="quarter" idx="3"/>
+          </p:nvPr>
+        </p:nvSpPr>
+        <p:spPr/>
+        <p:txBody>
+          <a:bodyPr/>
+          <a:lstStyle/>
+          <a:p>
+            <a:r>
+              <a:t> Every interaction with Vault happens through the API, regardless of the entry point. Even when clients interact with the CLI or web interface, the actions requested are performed using the API. While the CLI and web interface are friendlier to end users, they do not support all the actions that can be made by using the API directly. The API is divided into three main sections:</a:t>
+            </a:r>
+          </a:p>
+          <a:p>
+            <a:r>
+              <a:t> Secrets Engines</a:t>
+            </a:r>
+          </a:p>
+          <a:p>
+            <a:r>
+              <a:t> These provide the core functionality of Vault. Secrets engines can maintain static values, generate dynamic credentials, or perform cryptographic functions.</a:t>
+            </a:r>
+          </a:p>
+          <a:p>
+            <a:r>
+              <a:t> Auth Methods</a:t>
+            </a:r>
+          </a:p>
+          <a:p>
+            <a:r>
+              <a:t> These are responsible for validating authentication requests from Vault clients and authorizing the user to perform actions in Vault. HashiCorp Vault can use an external identity provider for authentication or provide internal identity management for granting access to secrets.</a:t>
+            </a:r>
+          </a:p>
+          <a:p>
+            <a:r>
+              <a:t> System Backend</a:t>
+            </a:r>
+          </a:p>
+          <a:p>
+            <a:r>
+              <a:t> This endpoint is intended primarily for service administrators to configure the components and features within Vault. The system backend can also be used by external services to monitor Vault, such as a third-party monitoring solution or a load balancer health check.</a:t>
+            </a:r>
+          </a:p>
+        </p:txBody>
+      </p:sp>
+    </p:spTree>
+  </p:cSld>
+  <p:clrMapOvr>
+    <a:masterClrMapping/>
+  </p:clrMapOvr>
+</p:notes>
+</file>
+
+<file path=ppt/notesSlides/notesSlide18.xml><?xml version="1.0" encoding="utf-8"?>
+<p:notes xmlns:a="http://schemas.openxmlformats.org/drawingml/2006/main" xmlns:r="http://schemas.openxmlformats.org/officeDocument/2006/relationships" xmlns:p="http://schemas.openxmlformats.org/presentationml/2006/main">
+  <p:cSld>
+    <p:spTree>
+      <p:nvGrpSpPr>
+        <p:cNvPr id="1" name=""/>
+        <p:cNvGrpSpPr/>
+        <p:nvPr/>
+      </p:nvGrpSpPr>
+      <p:grpSpPr>
+        <a:xfrm>
+          <a:off x="0" y="0"/>
+          <a:ext cx="0" cy="0"/>
+          <a:chOff x="0" y="0"/>
+          <a:chExt cx="0" cy="0"/>
+        </a:xfrm>
+      </p:grpSpPr>
+      <p:sp>
+        <p:nvSpPr>
+          <p:cNvPr id="2" name="Slide Image Placeholder 1"/>
+          <p:cNvSpPr>
+            <a:spLocks noGrp="true"/>
+          </p:cNvSpPr>
+          <p:nvPr>
+            <p:ph type="sldImg" idx="2"/>
+          </p:nvPr>
+        </p:nvSpPr>
+        <p:spPr/>
+      </p:sp>
+      <p:sp>
+        <p:nvSpPr>
+          <p:cNvPr id="3" name="Slide Number Placeholder 2"/>
+          <p:cNvSpPr>
+            <a:spLocks noGrp="true"/>
+          </p:cNvSpPr>
+          <p:nvPr>
+            <p:ph type="sldNum" sz="quarter" idx="5"/>
+          </p:nvPr>
+        </p:nvSpPr>
+        <p:spPr/>
+      </p:sp>
+      <p:sp>
+        <p:nvSpPr>
+          <p:cNvPr id="4" name="Notes Placeholder 3"/>
+          <p:cNvSpPr>
+            <a:spLocks noGrp="true"/>
+          </p:cNvSpPr>
+          <p:nvPr>
+            <p:ph type="body" sz="quarter" idx="3"/>
+          </p:nvPr>
+        </p:nvSpPr>
+        <p:spPr/>
+        <p:txBody>
+          <a:bodyPr/>
+          <a:lstStyle/>
+          <a:p>
+            <a:r>
+              <a:t> Using the API</a:t>
+            </a:r>
+          </a:p>
+          <a:p>
+            <a:r>
+              <a:t> Programmatic interaction with Vault occurs when an application or service calls the Vault API. This method should be the most common form of interaction with Vault. Interaction using the API is what Vault was designed for – a completely hands-off, automated secrets management experience. Automating complex tasks removes the human element, reduces organizational risk, and improves security.</a:t>
+            </a:r>
+          </a:p>
+          <a:p>
+            <a:r>
+              <a:t> Using the CLI</a:t>
+            </a:r>
+          </a:p>
+          <a:p>
+            <a:r>
+              <a:t> Before configuring traditional application integration with the API, the CLI is often used to configure Vault. The CLI simplifies the administration of the Vault service when performing initial Vault tasks, such as migrating secrets to Vault. Once the initial configuration has concluded, most of the day-to-day interactions can move to a programmatic function. Almost all the accessible API paths are available in the CLI, with few exceptions.</a:t>
+            </a:r>
+          </a:p>
+          <a:p>
+            <a:r>
+              <a:t> The CLI is the ideal method for Vault operators or users who might be more comfortable using a command line to perform manual interactions with Vault instead of clicking around in the web interface. Interaction through the CLI occurs through the same binary that is used to operate the Vault service. A user may issue CLI commands directly on a Vault node, or the binary may be downloaded on a local workstation to streamline access to Vault.</a:t>
+            </a:r>
+          </a:p>
+          <a:p>
+            <a:r>
+              <a:t> Using the Web UI</a:t>
+            </a:r>
+          </a:p>
+          <a:p>
+            <a:r>
+              <a:t> The Vault UI is accessible using modern web browsers. The UI can be accessed using the DNS name or hostname of the cluster and the configured port of the listener. For some users, the web interface is the most appropriate choice for accessing Vault. Although Vault was not initially designed with a user interface in mind, the web UI has quickly become a focus of development. Recent Vault releases have included significant improvements to the UI, adding new features and capabilities. The most common tasks a user or administrator might need to perform can be executed using the Vault web UI.</a:t>
+            </a:r>
+          </a:p>
+        </p:txBody>
+      </p:sp>
+    </p:spTree>
+  </p:cSld>
+  <p:clrMapOvr>
+    <a:masterClrMapping/>
+  </p:clrMapOvr>
+</p:notes>
+</file>
+
+<file path=ppt/notesSlides/notesSlide19.xml><?xml version="1.0" encoding="utf-8"?>
+<p:notes xmlns:a="http://schemas.openxmlformats.org/drawingml/2006/main" xmlns:r="http://schemas.openxmlformats.org/officeDocument/2006/relationships" xmlns:p="http://schemas.openxmlformats.org/presentationml/2006/main">
+  <p:cSld>
+    <p:spTree>
+      <p:nvGrpSpPr>
+        <p:cNvPr id="1" name=""/>
+        <p:cNvGrpSpPr/>
+        <p:nvPr/>
+      </p:nvGrpSpPr>
+      <p:grpSpPr>
+        <a:xfrm>
+          <a:off x="0" y="0"/>
+          <a:ext cx="0" cy="0"/>
+          <a:chOff x="0" y="0"/>
+          <a:chExt cx="0" cy="0"/>
+        </a:xfrm>
+      </p:grpSpPr>
+      <p:sp>
+        <p:nvSpPr>
+          <p:cNvPr id="2" name="Slide Image Placeholder 1"/>
+          <p:cNvSpPr>
+            <a:spLocks noGrp="true"/>
+          </p:cNvSpPr>
+          <p:nvPr>
+            <p:ph type="sldImg" idx="2"/>
+          </p:nvPr>
+        </p:nvSpPr>
+        <p:spPr/>
+      </p:sp>
+      <p:sp>
+        <p:nvSpPr>
+          <p:cNvPr id="3" name="Slide Number Placeholder 2"/>
+          <p:cNvSpPr>
+            <a:spLocks noGrp="true"/>
+          </p:cNvSpPr>
+          <p:nvPr>
+            <p:ph type="sldNum" sz="quarter" idx="5"/>
+          </p:nvPr>
+        </p:nvSpPr>
+        <p:spPr/>
+      </p:sp>
+      <p:sp>
+        <p:nvSpPr>
+          <p:cNvPr id="4" name="Notes Placeholder 3"/>
+          <p:cNvSpPr>
+            <a:spLocks noGrp="true"/>
+          </p:cNvSpPr>
+          <p:nvPr>
+            <p:ph type="body" sz="quarter" idx="3"/>
+          </p:nvPr>
+        </p:nvSpPr>
+        <p:spPr/>
+        <p:txBody>
+          <a:bodyPr/>
+          <a:lstStyle/>
+          <a:p>
+            <a:r>
+              <a:t> General consumer interactions consist of the basic human actions executed against the Vault service. This type of interaction is often how users first approach Vault when the 20service is initially deployed. Under this category of interaction, a human user would authenticate with Vault, receive an access token, and use the token to manage Vault or read a secret.</a:t>
+            </a:r>
+          </a:p>
+          <a:p>
+            <a:r>
+              <a:t> Many of the standard authentication providers used today, such as directory services, OIDC solutions, or public cloud identity services, can be leveraged to validate human users.</a:t>
+            </a:r>
+          </a:p>
+        </p:txBody>
+      </p:sp>
+    </p:spTree>
+  </p:cSld>
+  <p:clrMapOvr>
+    <a:masterClrMapping/>
+  </p:clrMapOvr>
+</p:notes>
+</file>
+
 <file path=ppt/notesSlides/notesSlide2.xml><?xml version="1.0" encoding="utf-8"?>
 <p:notes xmlns:a="http://schemas.openxmlformats.org/drawingml/2006/main" xmlns:r="http://schemas.openxmlformats.org/officeDocument/2006/relationships" xmlns:p="http://schemas.openxmlformats.org/presentationml/2006/main">
   <p:cSld>
@@ -1268,6 +1744,661 @@
           <a:p>
             <a:r>
               <a:t> Even Vault's administrative functions are configured using a path.</a:t>
+            </a:r>
+          </a:p>
+        </p:txBody>
+      </p:sp>
+    </p:spTree>
+  </p:cSld>
+  <p:clrMapOvr>
+    <a:masterClrMapping/>
+  </p:clrMapOvr>
+</p:notes>
+</file>
+
+<file path=ppt/notesSlides/notesSlide20.xml><?xml version="1.0" encoding="utf-8"?>
+<p:notes xmlns:a="http://schemas.openxmlformats.org/drawingml/2006/main" xmlns:r="http://schemas.openxmlformats.org/officeDocument/2006/relationships" xmlns:p="http://schemas.openxmlformats.org/presentationml/2006/main">
+  <p:cSld>
+    <p:spTree>
+      <p:nvGrpSpPr>
+        <p:cNvPr id="1" name=""/>
+        <p:cNvGrpSpPr/>
+        <p:nvPr/>
+      </p:nvGrpSpPr>
+      <p:grpSpPr>
+        <a:xfrm>
+          <a:off x="0" y="0"/>
+          <a:ext cx="0" cy="0"/>
+          <a:chOff x="0" y="0"/>
+          <a:chExt cx="0" cy="0"/>
+        </a:xfrm>
+      </p:grpSpPr>
+      <p:sp>
+        <p:nvSpPr>
+          <p:cNvPr id="2" name="Slide Image Placeholder 1"/>
+          <p:cNvSpPr>
+            <a:spLocks noGrp="true"/>
+          </p:cNvSpPr>
+          <p:nvPr>
+            <p:ph type="sldImg" idx="2"/>
+          </p:nvPr>
+        </p:nvSpPr>
+        <p:spPr/>
+      </p:sp>
+      <p:sp>
+        <p:nvSpPr>
+          <p:cNvPr id="3" name="Slide Number Placeholder 2"/>
+          <p:cNvSpPr>
+            <a:spLocks noGrp="true"/>
+          </p:cNvSpPr>
+          <p:nvPr>
+            <p:ph type="sldNum" sz="quarter" idx="5"/>
+          </p:nvPr>
+        </p:nvSpPr>
+        <p:spPr/>
+      </p:sp>
+      <p:sp>
+        <p:nvSpPr>
+          <p:cNvPr id="4" name="Notes Placeholder 3"/>
+          <p:cNvSpPr>
+            <a:spLocks noGrp="true"/>
+          </p:cNvSpPr>
+          <p:nvPr>
+            <p:ph type="body" sz="quarter" idx="3"/>
+          </p:nvPr>
+        </p:nvSpPr>
+        <p:spPr/>
+        <p:txBody>
+          <a:bodyPr/>
+          <a:lstStyle/>
+          <a:p>
+            <a:r>
+              <a:t> Example:</a:t>
+            </a:r>
+          </a:p>
+          <a:p>
+            <a:r>
+              <a:t> Jane Smith needs to retrieve the latest value of the root password for one of the Linux hosts she manages.</a:t>
+            </a:r>
+          </a:p>
+          <a:p>
+            <a:r>
+              <a:t> Jane uses the Vault CLI to log in to Vault using her LDAP username and password.</a:t>
+            </a:r>
+          </a:p>
+          <a:p>
+            <a:r>
+              <a:t> Once authenticated, Vault returns an access token to Jane. Jane then uses that access token to retrieve the value of the desired secret from a specific path in Vault.</a:t>
+            </a:r>
+          </a:p>
+        </p:txBody>
+      </p:sp>
+    </p:spTree>
+  </p:cSld>
+  <p:clrMapOvr>
+    <a:masterClrMapping/>
+  </p:clrMapOvr>
+</p:notes>
+</file>
+
+<file path=ppt/notesSlides/notesSlide21.xml><?xml version="1.0" encoding="utf-8"?>
+<p:notes xmlns:a="http://schemas.openxmlformats.org/drawingml/2006/main" xmlns:r="http://schemas.openxmlformats.org/officeDocument/2006/relationships" xmlns:p="http://schemas.openxmlformats.org/presentationml/2006/main">
+  <p:cSld>
+    <p:spTree>
+      <p:nvGrpSpPr>
+        <p:cNvPr id="1" name=""/>
+        <p:cNvGrpSpPr/>
+        <p:nvPr/>
+      </p:nvGrpSpPr>
+      <p:grpSpPr>
+        <a:xfrm>
+          <a:off x="0" y="0"/>
+          <a:ext cx="0" cy="0"/>
+          <a:chOff x="0" y="0"/>
+          <a:chExt cx="0" cy="0"/>
+        </a:xfrm>
+      </p:grpSpPr>
+      <p:sp>
+        <p:nvSpPr>
+          <p:cNvPr id="2" name="Slide Image Placeholder 1"/>
+          <p:cNvSpPr>
+            <a:spLocks noGrp="true"/>
+          </p:cNvSpPr>
+          <p:nvPr>
+            <p:ph type="sldImg" idx="2"/>
+          </p:nvPr>
+        </p:nvSpPr>
+        <p:spPr/>
+      </p:sp>
+      <p:sp>
+        <p:nvSpPr>
+          <p:cNvPr id="3" name="Slide Number Placeholder 2"/>
+          <p:cNvSpPr>
+            <a:spLocks noGrp="true"/>
+          </p:cNvSpPr>
+          <p:nvPr>
+            <p:ph type="sldNum" sz="quarter" idx="5"/>
+          </p:nvPr>
+        </p:nvSpPr>
+        <p:spPr/>
+      </p:sp>
+      <p:sp>
+        <p:nvSpPr>
+          <p:cNvPr id="4" name="Notes Placeholder 3"/>
+          <p:cNvSpPr>
+            <a:spLocks noGrp="true"/>
+          </p:cNvSpPr>
+          <p:nvPr>
+            <p:ph type="body" sz="quarter" idx="3"/>
+          </p:nvPr>
+        </p:nvSpPr>
+        <p:spPr/>
+        <p:txBody>
+          <a:bodyPr/>
+          <a:lstStyle/>
+          <a:p>
+            <a:r>
+              <a:t> Like consumer interactions, a human entity usually performs administrative interactions during both the deployment and initial management phases of the Vault service. The administrative interactions also tend to shift to programmatic interactions as the service matures and grows.</a:t>
+            </a:r>
+          </a:p>
+          <a:p>
+            <a:r>
+              <a:t> However, administrative interactions shift toward management of the Vault service rather than the management of secrets.</a:t>
+            </a:r>
+          </a:p>
+        </p:txBody>
+      </p:sp>
+    </p:spTree>
+  </p:cSld>
+  <p:clrMapOvr>
+    <a:masterClrMapping/>
+  </p:clrMapOvr>
+</p:notes>
+</file>
+
+<file path=ppt/notesSlides/notesSlide22.xml><?xml version="1.0" encoding="utf-8"?>
+<p:notes xmlns:a="http://schemas.openxmlformats.org/drawingml/2006/main" xmlns:r="http://schemas.openxmlformats.org/officeDocument/2006/relationships" xmlns:p="http://schemas.openxmlformats.org/presentationml/2006/main">
+  <p:cSld>
+    <p:spTree>
+      <p:nvGrpSpPr>
+        <p:cNvPr id="1" name=""/>
+        <p:cNvGrpSpPr/>
+        <p:nvPr/>
+      </p:nvGrpSpPr>
+      <p:grpSpPr>
+        <a:xfrm>
+          <a:off x="0" y="0"/>
+          <a:ext cx="0" cy="0"/>
+          <a:chOff x="0" y="0"/>
+          <a:chExt cx="0" cy="0"/>
+        </a:xfrm>
+      </p:grpSpPr>
+      <p:sp>
+        <p:nvSpPr>
+          <p:cNvPr id="2" name="Slide Image Placeholder 1"/>
+          <p:cNvSpPr>
+            <a:spLocks noGrp="true"/>
+          </p:cNvSpPr>
+          <p:nvPr>
+            <p:ph type="sldImg" idx="2"/>
+          </p:nvPr>
+        </p:nvSpPr>
+        <p:spPr/>
+      </p:sp>
+      <p:sp>
+        <p:nvSpPr>
+          <p:cNvPr id="3" name="Slide Number Placeholder 2"/>
+          <p:cNvSpPr>
+            <a:spLocks noGrp="true"/>
+          </p:cNvSpPr>
+          <p:nvPr>
+            <p:ph type="sldNum" sz="quarter" idx="5"/>
+          </p:nvPr>
+        </p:nvSpPr>
+        <p:spPr/>
+      </p:sp>
+      <p:sp>
+        <p:nvSpPr>
+          <p:cNvPr id="4" name="Notes Placeholder 3"/>
+          <p:cNvSpPr>
+            <a:spLocks noGrp="true"/>
+          </p:cNvSpPr>
+          <p:nvPr>
+            <p:ph type="body" sz="quarter" idx="3"/>
+          </p:nvPr>
+        </p:nvSpPr>
+        <p:spPr/>
+        <p:txBody>
+          <a:bodyPr/>
+          <a:lstStyle/>
+          <a:p>
+            <a:r>
+              <a:t> Vault administrators commonly use the same auth methods that are leveraged by other human users.</a:t>
+            </a:r>
+          </a:p>
+          <a:p>
+            <a:r>
+              <a:t> However, it is common to use Endpoint Governing Policies (EGPs) to ensure the second factor of authentication is used for privileged users. For instance, all Vault users need to provide an LDAP username and password. However, Vault administrators must also use a second factor of authentication, such as an Okta Verify push notification.</a:t>
+            </a:r>
+          </a:p>
+          <a:p>
+            <a:r>
+              <a:t> This strategy increases the security of privileged user access. When using an EGP to configure the second factor of authentication, the policy can be written to trigger the second factor based on the path requested.</a:t>
+            </a:r>
+          </a:p>
+          <a:p>
+            <a:r>
+              <a:t> For instance, configuring the Okta push to trigger at auth/ldap would initiate an Okta push for all users authenticating through LDAP. However, configuring the Okta to push to trigger at auth/ldap/users/jdoe would initiate an Okta push only for Jon Doe.</a:t>
+            </a:r>
+          </a:p>
+          <a:p>
+            <a:r>
+              <a:t> In this scenario, both the LDAP auth method and Okta MFA provider must be configured in Vault before the EGP can be used for triggering the second factor of authentication.</a:t>
+            </a:r>
+          </a:p>
+        </p:txBody>
+      </p:sp>
+    </p:spTree>
+  </p:cSld>
+  <p:clrMapOvr>
+    <a:masterClrMapping/>
+  </p:clrMapOvr>
+</p:notes>
+</file>
+
+<file path=ppt/notesSlides/notesSlide23.xml><?xml version="1.0" encoding="utf-8"?>
+<p:notes xmlns:a="http://schemas.openxmlformats.org/drawingml/2006/main" xmlns:r="http://schemas.openxmlformats.org/officeDocument/2006/relationships" xmlns:p="http://schemas.openxmlformats.org/presentationml/2006/main">
+  <p:cSld>
+    <p:spTree>
+      <p:nvGrpSpPr>
+        <p:cNvPr id="1" name=""/>
+        <p:cNvGrpSpPr/>
+        <p:nvPr/>
+      </p:nvGrpSpPr>
+      <p:grpSpPr>
+        <a:xfrm>
+          <a:off x="0" y="0"/>
+          <a:ext cx="0" cy="0"/>
+          <a:chOff x="0" y="0"/>
+          <a:chExt cx="0" cy="0"/>
+        </a:xfrm>
+      </p:grpSpPr>
+      <p:sp>
+        <p:nvSpPr>
+          <p:cNvPr id="2" name="Slide Image Placeholder 1"/>
+          <p:cNvSpPr>
+            <a:spLocks noGrp="true"/>
+          </p:cNvSpPr>
+          <p:nvPr>
+            <p:ph type="sldImg" idx="2"/>
+          </p:nvPr>
+        </p:nvSpPr>
+        <p:spPr/>
+      </p:sp>
+      <p:sp>
+        <p:nvSpPr>
+          <p:cNvPr id="3" name="Slide Number Placeholder 2"/>
+          <p:cNvSpPr>
+            <a:spLocks noGrp="true"/>
+          </p:cNvSpPr>
+          <p:nvPr>
+            <p:ph type="sldNum" sz="quarter" idx="5"/>
+          </p:nvPr>
+        </p:nvSpPr>
+        <p:spPr/>
+      </p:sp>
+      <p:sp>
+        <p:nvSpPr>
+          <p:cNvPr id="4" name="Notes Placeholder 3"/>
+          <p:cNvSpPr>
+            <a:spLocks noGrp="true"/>
+          </p:cNvSpPr>
+          <p:nvPr>
+            <p:ph type="body" sz="quarter" idx="3"/>
+          </p:nvPr>
+        </p:nvSpPr>
+        <p:spPr/>
+        <p:txBody>
+          <a:bodyPr/>
+          <a:lstStyle/>
+          <a:p>
+            <a:r>
+              <a:t> Jon Doe needs to create a namespace in Vault for a new team onboarding to Vault. Jon uses the Vault CLI to log in to Vault using his LDAP username and password. Jon receives an Okta Verify to verify his identity. Once authenticated, Jon receives an access token from Vault with administrative privileges. Jon uses his token to create and configure a new namespace in Vault.</a:t>
+            </a:r>
+          </a:p>
+        </p:txBody>
+      </p:sp>
+    </p:spTree>
+  </p:cSld>
+  <p:clrMapOvr>
+    <a:masterClrMapping/>
+  </p:clrMapOvr>
+</p:notes>
+</file>
+
+<file path=ppt/notesSlides/notesSlide24.xml><?xml version="1.0" encoding="utf-8"?>
+<p:notes xmlns:a="http://schemas.openxmlformats.org/drawingml/2006/main" xmlns:r="http://schemas.openxmlformats.org/officeDocument/2006/relationships" xmlns:p="http://schemas.openxmlformats.org/presentationml/2006/main">
+  <p:cSld>
+    <p:spTree>
+      <p:nvGrpSpPr>
+        <p:cNvPr id="1" name=""/>
+        <p:cNvGrpSpPr/>
+        <p:nvPr/>
+      </p:nvGrpSpPr>
+      <p:grpSpPr>
+        <a:xfrm>
+          <a:off x="0" y="0"/>
+          <a:ext cx="0" cy="0"/>
+          <a:chOff x="0" y="0"/>
+          <a:chExt cx="0" cy="0"/>
+        </a:xfrm>
+      </p:grpSpPr>
+      <p:sp>
+        <p:nvSpPr>
+          <p:cNvPr id="2" name="Slide Image Placeholder 1"/>
+          <p:cNvSpPr>
+            <a:spLocks noGrp="true"/>
+          </p:cNvSpPr>
+          <p:nvPr>
+            <p:ph type="sldImg" idx="2"/>
+          </p:nvPr>
+        </p:nvSpPr>
+        <p:spPr/>
+      </p:sp>
+      <p:sp>
+        <p:nvSpPr>
+          <p:cNvPr id="3" name="Slide Number Placeholder 2"/>
+          <p:cNvSpPr>
+            <a:spLocks noGrp="true"/>
+          </p:cNvSpPr>
+          <p:nvPr>
+            <p:ph type="sldNum" sz="quarter" idx="5"/>
+          </p:nvPr>
+        </p:nvSpPr>
+        <p:spPr/>
+      </p:sp>
+      <p:sp>
+        <p:nvSpPr>
+          <p:cNvPr id="4" name="Notes Placeholder 3"/>
+          <p:cNvSpPr>
+            <a:spLocks noGrp="true"/>
+          </p:cNvSpPr>
+          <p:nvPr>
+            <p:ph type="body" sz="quarter" idx="3"/>
+          </p:nvPr>
+        </p:nvSpPr>
+        <p:spPr/>
+        <p:txBody>
+          <a:bodyPr/>
+          <a:lstStyle/>
+          <a:p>
+            <a:r>
+              <a:t> While Vault can increase the overall security of integrated applications, security and compliance personnel must ensure the Vault service is secure. The security and compliance team may interact with Vault in a variety of ways.</a:t>
+            </a:r>
+          </a:p>
+          <a:p>
+            <a:r>
+              <a:t> The first type of interaction is based on a need for secrets management and aligns with general consumer interactions. Typically, security and compliance personnel have secrets that need to be stored and managed.</a:t>
+            </a:r>
+          </a:p>
+          <a:p>
+            <a:r>
+              <a:t> The security and compliance teams also need to ensure that the Vault service is being consumed in a secure and compliant manner along validating the security of the Vault service.</a:t>
+            </a:r>
+          </a:p>
+          <a:p>
+            <a:r>
+              <a:t> This would include processes such as penetration testing or static code analysis. To ensure Vault is running and being consumed securely, the security and compliance teams will frequently use the Vault audit data to monitor operations using log aggregation and analytics tools, such as Splunk or an ELK stack.</a:t>
+            </a:r>
+          </a:p>
+        </p:txBody>
+      </p:sp>
+    </p:spTree>
+  </p:cSld>
+  <p:clrMapOvr>
+    <a:masterClrMapping/>
+  </p:clrMapOvr>
+</p:notes>
+</file>
+
+<file path=ppt/notesSlides/notesSlide25.xml><?xml version="1.0" encoding="utf-8"?>
+<p:notes xmlns:a="http://schemas.openxmlformats.org/drawingml/2006/main" xmlns:r="http://schemas.openxmlformats.org/officeDocument/2006/relationships" xmlns:p="http://schemas.openxmlformats.org/presentationml/2006/main">
+  <p:cSld>
+    <p:spTree>
+      <p:nvGrpSpPr>
+        <p:cNvPr id="1" name=""/>
+        <p:cNvGrpSpPr/>
+        <p:nvPr/>
+      </p:nvGrpSpPr>
+      <p:grpSpPr>
+        <a:xfrm>
+          <a:off x="0" y="0"/>
+          <a:ext cx="0" cy="0"/>
+          <a:chOff x="0" y="0"/>
+          <a:chExt cx="0" cy="0"/>
+        </a:xfrm>
+      </p:grpSpPr>
+      <p:sp>
+        <p:nvSpPr>
+          <p:cNvPr id="2" name="Slide Image Placeholder 1"/>
+          <p:cNvSpPr>
+            <a:spLocks noGrp="true"/>
+          </p:cNvSpPr>
+          <p:nvPr>
+            <p:ph type="sldImg" idx="2"/>
+          </p:nvPr>
+        </p:nvSpPr>
+        <p:spPr/>
+      </p:sp>
+      <p:sp>
+        <p:nvSpPr>
+          <p:cNvPr id="3" name="Slide Number Placeholder 2"/>
+          <p:cNvSpPr>
+            <a:spLocks noGrp="true"/>
+          </p:cNvSpPr>
+          <p:nvPr>
+            <p:ph type="sldNum" sz="quarter" idx="5"/>
+          </p:nvPr>
+        </p:nvSpPr>
+        <p:spPr/>
+      </p:sp>
+      <p:sp>
+        <p:nvSpPr>
+          <p:cNvPr id="4" name="Notes Placeholder 3"/>
+          <p:cNvSpPr>
+            <a:spLocks noGrp="true"/>
+          </p:cNvSpPr>
+          <p:nvPr>
+            <p:ph type="body" sz="quarter" idx="3"/>
+          </p:nvPr>
+        </p:nvSpPr>
+        <p:spPr/>
+        <p:txBody>
+          <a:bodyPr/>
+          <a:lstStyle/>
+          <a:p>
+            <a:r>
+              <a:t> Example:</a:t>
+            </a:r>
+          </a:p>
+          <a:p>
+            <a:r>
+              <a:t> A Vault user authenticates with Vault and receives an access token. The access token is used in an attempt to retrieve a secret that the user does not have access to read.</a:t>
+            </a:r>
+          </a:p>
+          <a:p>
+            <a:r>
+              <a:t> The user's request is denied, and a log entry for the event is generated through an audit device and ingested into Splunk.</a:t>
+            </a:r>
+          </a:p>
+          <a:p>
+            <a:r>
+              <a:t> A notable security event is sent to the security operations center (SOC) for investigation</a:t>
+            </a:r>
+          </a:p>
+        </p:txBody>
+      </p:sp>
+    </p:spTree>
+  </p:cSld>
+  <p:clrMapOvr>
+    <a:masterClrMapping/>
+  </p:clrMapOvr>
+</p:notes>
+</file>
+
+<file path=ppt/notesSlides/notesSlide26.xml><?xml version="1.0" encoding="utf-8"?>
+<p:notes xmlns:a="http://schemas.openxmlformats.org/drawingml/2006/main" xmlns:r="http://schemas.openxmlformats.org/officeDocument/2006/relationships" xmlns:p="http://schemas.openxmlformats.org/presentationml/2006/main">
+  <p:cSld>
+    <p:spTree>
+      <p:nvGrpSpPr>
+        <p:cNvPr id="1" name=""/>
+        <p:cNvGrpSpPr/>
+        <p:nvPr/>
+      </p:nvGrpSpPr>
+      <p:grpSpPr>
+        <a:xfrm>
+          <a:off x="0" y="0"/>
+          <a:ext cx="0" cy="0"/>
+          <a:chOff x="0" y="0"/>
+          <a:chExt cx="0" cy="0"/>
+        </a:xfrm>
+      </p:grpSpPr>
+      <p:sp>
+        <p:nvSpPr>
+          <p:cNvPr id="2" name="Slide Image Placeholder 1"/>
+          <p:cNvSpPr>
+            <a:spLocks noGrp="true"/>
+          </p:cNvSpPr>
+          <p:nvPr>
+            <p:ph type="sldImg" idx="2"/>
+          </p:nvPr>
+        </p:nvSpPr>
+        <p:spPr/>
+      </p:sp>
+      <p:sp>
+        <p:nvSpPr>
+          <p:cNvPr id="3" name="Slide Number Placeholder 2"/>
+          <p:cNvSpPr>
+            <a:spLocks noGrp="true"/>
+          </p:cNvSpPr>
+          <p:nvPr>
+            <p:ph type="sldNum" sz="quarter" idx="5"/>
+          </p:nvPr>
+        </p:nvSpPr>
+        <p:spPr/>
+      </p:sp>
+      <p:sp>
+        <p:nvSpPr>
+          <p:cNvPr id="4" name="Notes Placeholder 3"/>
+          <p:cNvSpPr>
+            <a:spLocks noGrp="true"/>
+          </p:cNvSpPr>
+          <p:nvPr>
+            <p:ph type="body" sz="quarter" idx="3"/>
+          </p:nvPr>
+        </p:nvSpPr>
+        <p:spPr/>
+        <p:txBody>
+          <a:bodyPr/>
+          <a:lstStyle/>
+          <a:p>
+            <a:r>
+              <a:t> One of Vault’s most compelling features is its robust API, especially in organizations adopting a DevOps culture or migrating applications to the public cloud. The goal is to have the majority of interactions take place through automation using the API directly. This form of interaction requires the entity (usually an application or host) to authenticate with Vault, receive a token, and use it to retrieve a secret. One of the most common auth methods used for this machine-to-machine interaction is the AppRole auth method. This auth method uses a RoleID (username) and a SecretID (password) to authenticate a non-human entity with Vault. As a result of authentication, the client receives a token in response that can be used to retrieve a secret.</a:t>
+            </a:r>
+          </a:p>
+        </p:txBody>
+      </p:sp>
+    </p:spTree>
+  </p:cSld>
+  <p:clrMapOvr>
+    <a:masterClrMapping/>
+  </p:clrMapOvr>
+</p:notes>
+</file>
+
+<file path=ppt/notesSlides/notesSlide27.xml><?xml version="1.0" encoding="utf-8"?>
+<p:notes xmlns:a="http://schemas.openxmlformats.org/drawingml/2006/main" xmlns:r="http://schemas.openxmlformats.org/officeDocument/2006/relationships" xmlns:p="http://schemas.openxmlformats.org/presentationml/2006/main">
+  <p:cSld>
+    <p:spTree>
+      <p:nvGrpSpPr>
+        <p:cNvPr id="1" name=""/>
+        <p:cNvGrpSpPr/>
+        <p:nvPr/>
+      </p:nvGrpSpPr>
+      <p:grpSpPr>
+        <a:xfrm>
+          <a:off x="0" y="0"/>
+          <a:ext cx="0" cy="0"/>
+          <a:chOff x="0" y="0"/>
+          <a:chExt cx="0" cy="0"/>
+        </a:xfrm>
+      </p:grpSpPr>
+      <p:sp>
+        <p:nvSpPr>
+          <p:cNvPr id="2" name="Slide Image Placeholder 1"/>
+          <p:cNvSpPr>
+            <a:spLocks noGrp="true"/>
+          </p:cNvSpPr>
+          <p:nvPr>
+            <p:ph type="sldImg" idx="2"/>
+          </p:nvPr>
+        </p:nvSpPr>
+        <p:spPr/>
+      </p:sp>
+      <p:sp>
+        <p:nvSpPr>
+          <p:cNvPr id="3" name="Slide Number Placeholder 2"/>
+          <p:cNvSpPr>
+            <a:spLocks noGrp="true"/>
+          </p:cNvSpPr>
+          <p:nvPr>
+            <p:ph type="sldNum" sz="quarter" idx="5"/>
+          </p:nvPr>
+        </p:nvSpPr>
+        <p:spPr/>
+      </p:sp>
+      <p:sp>
+        <p:nvSpPr>
+          <p:cNvPr id="4" name="Notes Placeholder 3"/>
+          <p:cNvSpPr>
+            <a:spLocks noGrp="true"/>
+          </p:cNvSpPr>
+          <p:nvPr>
+            <p:ph type="body" sz="quarter" idx="3"/>
+          </p:nvPr>
+        </p:nvSpPr>
+        <p:spPr/>
+        <p:txBody>
+          <a:bodyPr/>
+          <a:lstStyle/>
+          <a:p>
+            <a:r>
+              <a:t> A root password on a group of Linux hosts needs to be rotated.</a:t>
+            </a:r>
+          </a:p>
+          <a:p>
+            <a:r>
+              <a:t> These hosts are using SaltStack for configuration management.</a:t>
+            </a:r>
+          </a:p>
+          <a:p>
+            <a:r>
+              <a:t> On the Salt master, a process is triggered to rotate the root password on all Salt minions.</a:t>
+            </a:r>
+          </a:p>
+          <a:p>
+            <a:r>
+              <a:t> The Salt master uses a RoleID and a SecretID, configured in environment variables, to authenticate with Vault and retrieve a short-lived access token.</a:t>
+            </a:r>
+          </a:p>
+          <a:p>
+            <a:r>
+              <a:t> The Salt master then uses this token to read a secret value at a specified</a:t>
+            </a:r>
+          </a:p>
+          <a:p>
+            <a:r>
+              <a:t> path in Vault and sends this value to all attached minions. Once received, each minion updates the local root password with the specified secret value.</a:t>
             </a:r>
           </a:p>
         </p:txBody>
@@ -4267,7 +5398,7 @@
         </p:blipFill>
         <p:spPr>
           <a:xfrm>
-            <a:off x="704723" y="1675130"/>
+            <a:off x="704088" y="914400"/>
             <a:ext cx="7507224" cy="5114091"/>
           </a:xfrm>
           <a:prstGeom prst="rect">
@@ -4452,7 +5583,58 @@
         <p:txBody>
           <a:bodyPr/>
           <a:lstStyle/>
-          <a:p/>
+          <a:p>
+            <a:r>
+              <a:t> After the Vault is unsealed</a:t>
+            </a:r>
+          </a:p>
+          <a:p>
+            <a:pPr lvl="1"/>
+            <a:r>
+              <a:t> requests can be processed from the HTTP API to the Core.</a:t>
+            </a:r>
+          </a:p>
+          <a:p>
+            <a:pPr lvl="1"/>
+            <a:r>
+              <a:t> The core is used to</a:t>
+            </a:r>
+          </a:p>
+          <a:p>
+            <a:pPr lvl="2"/>
+            <a:r>
+              <a:t> manage the flow of requests through the system,</a:t>
+            </a:r>
+          </a:p>
+          <a:p>
+            <a:pPr lvl="2"/>
+            <a:r>
+              <a:t> enforce ACLs, and</a:t>
+            </a:r>
+          </a:p>
+          <a:p>
+            <a:pPr lvl="2"/>
+            <a:r>
+              <a:t> ensure audit logging is done.</a:t>
+            </a:r>
+          </a:p>
+          <a:p>
+            <a:r>
+              <a:t> The client needs to authenticate.</a:t>
+            </a:r>
+          </a:p>
+          <a:p>
+            <a:pPr lvl="1"/>
+            <a:r>
+              <a:t> Vault provides configurable auth methods</a:t>
+            </a:r>
+          </a:p>
+          <a:p>
+            <a:pPr lvl="1"/>
+            <a:r>
+              <a:t> Provides flexibility in the authentication mechanism used</a:t>
+            </a:r>
+          </a:p>
         </p:txBody>
       </p:sp>
       <p:sp>
@@ -4737,8 +5919,8 @@
         </p:blipFill>
         <p:spPr>
           <a:xfrm>
-            <a:off x="704088" y="2231136"/>
-            <a:ext cx="7507224" cy="3702293"/>
+            <a:off x="596265" y="3794760"/>
+            <a:ext cx="7264400" cy="3582670"/>
           </a:xfrm>
           <a:prstGeom prst="rect">
             <a:avLst/>
@@ -4880,8 +6062,8 @@
         </p:blipFill>
         <p:spPr>
           <a:xfrm>
-            <a:off x="581025" y="2574925"/>
-            <a:ext cx="7116445" cy="4750435"/>
+            <a:off x="704215" y="2917825"/>
+            <a:ext cx="6263005" cy="4180840"/>
           </a:xfrm>
           <a:prstGeom prst="rect">
             <a:avLst/>
@@ -5049,7 +6231,1095 @@
         <p:txBody>
           <a:bodyPr/>
           <a:lstStyle/>
-          <a:p/>
+          <a:p>
+            <a:r>
+              <a:t> This phase is interaction from the user</a:t>
+            </a:r>
+          </a:p>
+          <a:p>
+            <a:r>
+              <a:t> When a client sends a request to Vault</a:t>
+            </a:r>
+          </a:p>
+          <a:p>
+            <a:pPr lvl="1"/>
+            <a:r>
+              <a:t> the request is initiated using TLS</a:t>
+            </a:r>
+          </a:p>
+          <a:p>
+            <a:pPr lvl="1"/>
+            <a:r>
+              <a:t> verify the identity of the Vault service and</a:t>
+            </a:r>
+          </a:p>
+          <a:p>
+            <a:pPr lvl="1"/>
+            <a:r>
+              <a:t> establish secure communication with it</a:t>
+            </a:r>
+          </a:p>
+        </p:txBody>
+      </p:sp>
+      <p:sp>
+        <p:nvSpPr>
+          <p:cNvPr id="4" name="TextBox 3"/>
+          <p:cNvSpPr txBox="true"/>
+          <p:nvPr/>
+        </p:nvSpPr>
+        <p:spPr>
+          <a:xfrm>
+            <a:off x="704088" y="8065008"/>
+            <a:ext cx="8915400" cy="228600"/>
+          </a:xfrm>
+          <a:prstGeom prst="rect">
+            <a:avLst/>
+          </a:prstGeom>
+          <a:noFill/>
+        </p:spPr>
+        <p:txBody>
+          <a:bodyPr wrap="none">
+            <a:spAutoFit/>
+          </a:bodyPr>
+          <a:lstStyle/>
+          <a:p>
+            <a:r>
+              <a:rPr sz="800">
+                <a:solidFill>
+                  <a:srgbClr val="000000"/>
+                </a:solidFill>
+              </a:rPr>
+              <a:t>Copyright © 2021 by Elephant Scale, All Rights Reserved</a:t>
+            </a:r>
+            <a:endParaRPr sz="800">
+              <a:solidFill>
+                <a:srgbClr val="000000"/>
+              </a:solidFill>
+            </a:endParaRPr>
+          </a:p>
+        </p:txBody>
+      </p:sp>
+    </p:spTree>
+  </p:cSld>
+  <p:clrMapOvr>
+    <a:masterClrMapping/>
+  </p:clrMapOvr>
+</p:sld>
+</file>
+
+<file path=ppt/slides/slide22.xml><?xml version="1.0" encoding="utf-8"?>
+<p:sld xmlns:a="http://schemas.openxmlformats.org/drawingml/2006/main" xmlns:r="http://schemas.openxmlformats.org/officeDocument/2006/relationships" xmlns:p="http://schemas.openxmlformats.org/presentationml/2006/main">
+  <p:cSld>
+    <p:spTree>
+      <p:nvGrpSpPr>
+        <p:cNvPr id="1" name=""/>
+        <p:cNvGrpSpPr/>
+        <p:nvPr/>
+      </p:nvGrpSpPr>
+      <p:grpSpPr/>
+      <p:sp>
+        <p:nvSpPr>
+          <p:cNvPr id="2" name="Title 1"/>
+          <p:cNvSpPr>
+            <a:spLocks noGrp="true"/>
+          </p:cNvSpPr>
+          <p:nvPr>
+            <p:ph type="title"/>
+          </p:nvPr>
+        </p:nvSpPr>
+        <p:spPr/>
+        <p:txBody>
+          <a:bodyPr/>
+          <a:lstStyle/>
+          <a:p>
+            <a:r>
+              <a:t>The basic workflow of client interaction with Vault</a:t>
+            </a:r>
+          </a:p>
+        </p:txBody>
+      </p:sp>
+      <p:sp>
+        <p:nvSpPr>
+          <p:cNvPr id="3" name="Content Placeholder 2"/>
+          <p:cNvSpPr>
+            <a:spLocks noGrp="true"/>
+          </p:cNvSpPr>
+          <p:nvPr>
+            <p:ph idx="1"/>
+          </p:nvPr>
+        </p:nvSpPr>
+        <p:spPr/>
+        <p:txBody>
+          <a:bodyPr/>
+          <a:lstStyle/>
+          <a:p>
+            <a:r>
+              <a:t> The client sends an authentication request to Vault, specifying the auth method and credentials to be used.</a:t>
+            </a:r>
+          </a:p>
+          <a:p>
+            <a:r>
+              <a:t> Vault forwards those credentials to the appropriate authentication backend for verification.</a:t>
+            </a:r>
+          </a:p>
+          <a:p>
+            <a:r>
+              <a:t> Vault receives approval returns an access token</a:t>
+            </a:r>
+          </a:p>
+          <a:p>
+            <a:r>
+              <a:t> The Vault client uses the access token to issue a read</a:t>
+            </a:r>
+          </a:p>
+          <a:p>
+            <a:r>
+              <a:t> Vault validates the token</a:t>
+            </a:r>
+          </a:p>
+          <a:p>
+            <a:r>
+              <a:t> If permitted, Vault will use pre-configured database credentials to generate temporary database credentials</a:t>
+            </a:r>
+          </a:p>
+        </p:txBody>
+      </p:sp>
+      <p:sp>
+        <p:nvSpPr>
+          <p:cNvPr id="4" name="TextBox 3"/>
+          <p:cNvSpPr txBox="true"/>
+          <p:nvPr/>
+        </p:nvSpPr>
+        <p:spPr>
+          <a:xfrm>
+            <a:off x="704088" y="8065008"/>
+            <a:ext cx="8915400" cy="228600"/>
+          </a:xfrm>
+          <a:prstGeom prst="rect">
+            <a:avLst/>
+          </a:prstGeom>
+          <a:noFill/>
+        </p:spPr>
+        <p:txBody>
+          <a:bodyPr wrap="none">
+            <a:spAutoFit/>
+          </a:bodyPr>
+          <a:lstStyle/>
+          <a:p>
+            <a:r>
+              <a:rPr sz="800">
+                <a:solidFill>
+                  <a:srgbClr val="000000"/>
+                </a:solidFill>
+              </a:rPr>
+              <a:t>Copyright © 2021 by Elephant Scale, All Rights Reserved</a:t>
+            </a:r>
+            <a:endParaRPr sz="800">
+              <a:solidFill>
+                <a:srgbClr val="000000"/>
+              </a:solidFill>
+            </a:endParaRPr>
+          </a:p>
+        </p:txBody>
+      </p:sp>
+    </p:spTree>
+  </p:cSld>
+  <p:clrMapOvr>
+    <a:masterClrMapping/>
+  </p:clrMapOvr>
+</p:sld>
+</file>
+
+<file path=ppt/slides/slide23.xml><?xml version="1.0" encoding="utf-8"?>
+<p:sld xmlns:a="http://schemas.openxmlformats.org/drawingml/2006/main" xmlns:r="http://schemas.openxmlformats.org/officeDocument/2006/relationships" xmlns:p="http://schemas.openxmlformats.org/presentationml/2006/main">
+  <p:cSld>
+    <p:spTree>
+      <p:nvGrpSpPr>
+        <p:cNvPr id="1" name=""/>
+        <p:cNvGrpSpPr/>
+        <p:nvPr/>
+      </p:nvGrpSpPr>
+      <p:grpSpPr/>
+      <p:sp>
+        <p:nvSpPr>
+          <p:cNvPr id="2" name="Title 1"/>
+          <p:cNvSpPr>
+            <a:spLocks noGrp="true"/>
+          </p:cNvSpPr>
+          <p:nvPr>
+            <p:ph type="title"/>
+          </p:nvPr>
+        </p:nvSpPr>
+        <p:spPr/>
+        <p:txBody>
+          <a:bodyPr/>
+          <a:lstStyle/>
+          <a:p>
+            <a:r>
+              <a:t>Phase 3 - Cleanup</a:t>
+            </a:r>
+          </a:p>
+        </p:txBody>
+      </p:sp>
+      <p:sp>
+        <p:nvSpPr>
+          <p:cNvPr id="3" name="Content Placeholder 2"/>
+          <p:cNvSpPr>
+            <a:spLocks noGrp="true"/>
+          </p:cNvSpPr>
+          <p:nvPr>
+            <p:ph idx="1"/>
+          </p:nvPr>
+        </p:nvSpPr>
+        <p:spPr/>
+        <p:txBody>
+          <a:bodyPr/>
+          <a:lstStyle/>
+          <a:p>
+            <a:r>
+              <a:t> Once user interaction is complete,</a:t>
+            </a:r>
+          </a:p>
+          <a:p>
+            <a:pPr lvl="1"/>
+            <a:r>
+              <a:t> Vault needs to clean up the token.</a:t>
+            </a:r>
+          </a:p>
+          <a:p>
+            <a:r>
+              <a:t> When a token or other credential is provisioned by Vault,</a:t>
+            </a:r>
+          </a:p>
+          <a:p>
+            <a:pPr lvl="1"/>
+            <a:r>
+              <a:t> it is associated with a TTL or "lease."</a:t>
+            </a:r>
+          </a:p>
+          <a:p>
+            <a:pPr lvl="1"/>
+            <a:r>
+              <a:t> This lease may be</a:t>
+            </a:r>
+          </a:p>
+          <a:p>
+            <a:pPr lvl="2"/>
+            <a:r>
+              <a:t> time-based, such as 24 hours,</a:t>
+            </a:r>
+          </a:p>
+          <a:p>
+            <a:pPr lvl="2"/>
+            <a:r>
+              <a:t> defined by a set number of uses.</a:t>
+            </a:r>
+          </a:p>
+          <a:p>
+            <a:r>
+              <a:t> After the lease expires,</a:t>
+            </a:r>
+          </a:p>
+          <a:p>
+            <a:pPr lvl="1"/>
+            <a:r>
+              <a:t> the tokens are revoked, and</a:t>
+            </a:r>
+          </a:p>
+          <a:p>
+            <a:pPr lvl="1"/>
+            <a:r>
+              <a:t> the associated credentials are removed automatically by Vault.</a:t>
+            </a:r>
+          </a:p>
+        </p:txBody>
+      </p:sp>
+      <p:sp>
+        <p:nvSpPr>
+          <p:cNvPr id="4" name="TextBox 3"/>
+          <p:cNvSpPr txBox="true"/>
+          <p:nvPr/>
+        </p:nvSpPr>
+        <p:spPr>
+          <a:xfrm>
+            <a:off x="704088" y="8065008"/>
+            <a:ext cx="8915400" cy="228600"/>
+          </a:xfrm>
+          <a:prstGeom prst="rect">
+            <a:avLst/>
+          </a:prstGeom>
+          <a:noFill/>
+        </p:spPr>
+        <p:txBody>
+          <a:bodyPr wrap="none">
+            <a:spAutoFit/>
+          </a:bodyPr>
+          <a:lstStyle/>
+          <a:p>
+            <a:r>
+              <a:rPr sz="800">
+                <a:solidFill>
+                  <a:srgbClr val="000000"/>
+                </a:solidFill>
+              </a:rPr>
+              <a:t>Copyright © 2021 by Elephant Scale, All Rights Reserved</a:t>
+            </a:r>
+            <a:endParaRPr sz="800">
+              <a:solidFill>
+                <a:srgbClr val="000000"/>
+              </a:solidFill>
+            </a:endParaRPr>
+          </a:p>
+        </p:txBody>
+      </p:sp>
+    </p:spTree>
+  </p:cSld>
+  <p:clrMapOvr>
+    <a:masterClrMapping/>
+  </p:clrMapOvr>
+</p:sld>
+</file>
+
+<file path=ppt/slides/slide24.xml><?xml version="1.0" encoding="utf-8"?>
+<p:sld xmlns:a="http://schemas.openxmlformats.org/drawingml/2006/main" xmlns:r="http://schemas.openxmlformats.org/officeDocument/2006/relationships" xmlns:p="http://schemas.openxmlformats.org/presentationml/2006/main">
+  <p:cSld>
+    <p:spTree>
+      <p:nvGrpSpPr>
+        <p:cNvPr id="1" name=""/>
+        <p:cNvGrpSpPr/>
+        <p:nvPr/>
+      </p:nvGrpSpPr>
+      <p:grpSpPr/>
+      <p:sp>
+        <p:nvSpPr>
+          <p:cNvPr id="2" name="Title 1"/>
+          <p:cNvSpPr>
+            <a:spLocks noGrp="true"/>
+          </p:cNvSpPr>
+          <p:nvPr>
+            <p:ph type="title"/>
+          </p:nvPr>
+        </p:nvSpPr>
+        <p:spPr/>
+        <p:txBody>
+          <a:bodyPr/>
+          <a:lstStyle/>
+          <a:p>
+            <a:r>
+              <a:t>Database example</a:t>
+            </a:r>
+          </a:p>
+        </p:txBody>
+      </p:sp>
+      <p:sp>
+        <p:nvSpPr>
+          <p:cNvPr id="3" name="Content Placeholder 2"/>
+          <p:cNvSpPr>
+            <a:spLocks noGrp="true"/>
+          </p:cNvSpPr>
+          <p:nvPr>
+            <p:ph idx="1"/>
+          </p:nvPr>
+        </p:nvSpPr>
+        <p:spPr/>
+        <p:txBody>
+          <a:bodyPr/>
+          <a:lstStyle/>
+          <a:p/>
+          <a:p/>
+          <a:p/>
+          <a:p/>
+          <a:p/>
+          <a:p/>
+          <a:p/>
+          <a:p/>
+        </p:txBody>
+      </p:sp>
+      <p:sp>
+        <p:nvSpPr>
+          <p:cNvPr id="4" name="TextBox 3"/>
+          <p:cNvSpPr txBox="true"/>
+          <p:nvPr/>
+        </p:nvSpPr>
+        <p:spPr>
+          <a:xfrm>
+            <a:off x="704088" y="8065008"/>
+            <a:ext cx="8915400" cy="228600"/>
+          </a:xfrm>
+          <a:prstGeom prst="rect">
+            <a:avLst/>
+          </a:prstGeom>
+          <a:noFill/>
+        </p:spPr>
+        <p:txBody>
+          <a:bodyPr wrap="none">
+            <a:spAutoFit/>
+          </a:bodyPr>
+          <a:lstStyle/>
+          <a:p>
+            <a:r>
+              <a:rPr sz="800">
+                <a:solidFill>
+                  <a:srgbClr val="000000"/>
+                </a:solidFill>
+              </a:rPr>
+              <a:t>Copyright © 2021 by Elephant Scale, All Rights Reserved</a:t>
+            </a:r>
+            <a:endParaRPr sz="800">
+              <a:solidFill>
+                <a:srgbClr val="000000"/>
+              </a:solidFill>
+            </a:endParaRPr>
+          </a:p>
+        </p:txBody>
+      </p:sp>
+      <p:pic>
+        <p:nvPicPr>
+          <p:cNvPr id="5" name="Picture 4" descr="fig1-1.png"/>
+          <p:cNvPicPr>
+            <a:picLocks noChangeAspect="true"/>
+          </p:cNvPicPr>
+          <p:nvPr/>
+        </p:nvPicPr>
+        <p:blipFill>
+          <a:blip r:embed="rId1"/>
+          <a:stretch>
+            <a:fillRect/>
+          </a:stretch>
+        </p:blipFill>
+        <p:spPr>
+          <a:xfrm>
+            <a:off x="550545" y="1710690"/>
+            <a:ext cx="8272145" cy="3282950"/>
+          </a:xfrm>
+          <a:prstGeom prst="rect">
+            <a:avLst/>
+          </a:prstGeom>
+        </p:spPr>
+      </p:pic>
+    </p:spTree>
+  </p:cSld>
+  <p:clrMapOvr>
+    <a:masterClrMapping/>
+  </p:clrMapOvr>
+</p:sld>
+</file>
+
+<file path=ppt/slides/slide25.xml><?xml version="1.0" encoding="utf-8"?>
+<p:sld xmlns:a="http://schemas.openxmlformats.org/drawingml/2006/main" xmlns:r="http://schemas.openxmlformats.org/officeDocument/2006/relationships" xmlns:p="http://schemas.openxmlformats.org/presentationml/2006/main">
+  <p:cSld>
+    <p:spTree>
+      <p:nvGrpSpPr>
+        <p:cNvPr id="1" name=""/>
+        <p:cNvGrpSpPr/>
+        <p:nvPr/>
+      </p:nvGrpSpPr>
+      <p:grpSpPr/>
+      <p:sp>
+        <p:nvSpPr>
+          <p:cNvPr id="2" name="Title 1"/>
+          <p:cNvSpPr>
+            <a:spLocks noGrp="true"/>
+          </p:cNvSpPr>
+          <p:nvPr>
+            <p:ph type="title"/>
+          </p:nvPr>
+        </p:nvSpPr>
+        <p:spPr/>
+        <p:txBody>
+          <a:bodyPr/>
+          <a:lstStyle/>
+          <a:p>
+            <a:r>
+              <a:t>Philosophy of Vault</a:t>
+            </a:r>
+          </a:p>
+        </p:txBody>
+      </p:sp>
+      <p:sp>
+        <p:nvSpPr>
+          <p:cNvPr id="3" name="Content Placeholder 2"/>
+          <p:cNvSpPr>
+            <a:spLocks noGrp="true"/>
+          </p:cNvSpPr>
+          <p:nvPr>
+            <p:ph idx="1"/>
+          </p:nvPr>
+        </p:nvSpPr>
+        <p:spPr/>
+        <p:txBody>
+          <a:bodyPr/>
+          <a:lstStyle/>
+          <a:p>
+            <a:r>
+              <a:t> The intent and philosophy of Vault is to build security</a:t>
+            </a:r>
+          </a:p>
+          <a:p>
+            <a:pPr lvl="1"/>
+            <a:r>
+              <a:t> into automated processes</a:t>
+            </a:r>
+          </a:p>
+          <a:p>
+            <a:pPr lvl="1"/>
+            <a:r>
+              <a:t> that utilize temporary credentials</a:t>
+            </a:r>
+          </a:p>
+          <a:p>
+            <a:pPr lvl="1"/>
+            <a:r>
+              <a:t> whether for a specific duration or one-time use.</a:t>
+            </a:r>
+          </a:p>
+          <a:p>
+            <a:r>
+              <a:t> The ultimate goal</a:t>
+            </a:r>
+          </a:p>
+          <a:p>
+            <a:pPr lvl="1"/>
+            <a:r>
+              <a:t> migrate from static credentials and identities that</a:t>
+            </a:r>
+            <a:r>
+              <a:rPr b="1"/>
+              <a:t> require periodic manual rotation</a:t>
+            </a:r>
+            <a:r>
+              <a:t> *.</a:t>
+            </a:r>
+          </a:p>
+          <a:p>
+            <a:pPr lvl="1"/>
+            <a:r>
+              <a:t> Of course, this workflow can still be leveraged for static secrets as well.</a:t>
+            </a:r>
+          </a:p>
+        </p:txBody>
+      </p:sp>
+      <p:sp>
+        <p:nvSpPr>
+          <p:cNvPr id="4" name="TextBox 3"/>
+          <p:cNvSpPr txBox="true"/>
+          <p:nvPr/>
+        </p:nvSpPr>
+        <p:spPr>
+          <a:xfrm>
+            <a:off x="704088" y="8065008"/>
+            <a:ext cx="8915400" cy="228600"/>
+          </a:xfrm>
+          <a:prstGeom prst="rect">
+            <a:avLst/>
+          </a:prstGeom>
+          <a:noFill/>
+        </p:spPr>
+        <p:txBody>
+          <a:bodyPr wrap="none">
+            <a:spAutoFit/>
+          </a:bodyPr>
+          <a:lstStyle/>
+          <a:p>
+            <a:r>
+              <a:rPr sz="800">
+                <a:solidFill>
+                  <a:srgbClr val="000000"/>
+                </a:solidFill>
+              </a:rPr>
+              <a:t>Copyright © 2021 by Elephant Scale, All Rights Reserved</a:t>
+            </a:r>
+            <a:endParaRPr sz="800">
+              <a:solidFill>
+                <a:srgbClr val="000000"/>
+              </a:solidFill>
+            </a:endParaRPr>
+          </a:p>
+        </p:txBody>
+      </p:sp>
+    </p:spTree>
+  </p:cSld>
+  <p:clrMapOvr>
+    <a:masterClrMapping/>
+  </p:clrMapOvr>
+</p:sld>
+</file>
+
+<file path=ppt/slides/slide26.xml><?xml version="1.0" encoding="utf-8"?>
+<p:sld xmlns:a="http://schemas.openxmlformats.org/drawingml/2006/main" xmlns:r="http://schemas.openxmlformats.org/officeDocument/2006/relationships" xmlns:p="http://schemas.openxmlformats.org/presentationml/2006/main">
+  <p:cSld>
+    <p:spTree>
+      <p:nvGrpSpPr>
+        <p:cNvPr id="1" name=""/>
+        <p:cNvGrpSpPr/>
+        <p:nvPr/>
+      </p:nvGrpSpPr>
+      <p:grpSpPr/>
+      <p:sp>
+        <p:nvSpPr>
+          <p:cNvPr id="2" name="Title 1"/>
+          <p:cNvSpPr>
+            <a:spLocks noGrp="true"/>
+          </p:cNvSpPr>
+          <p:nvPr>
+            <p:ph type="title"/>
+          </p:nvPr>
+        </p:nvSpPr>
+        <p:spPr/>
+        <p:txBody>
+          <a:bodyPr/>
+          <a:lstStyle/>
+          <a:p>
+            <a:r>
+              <a:t>Interacting with Vault</a:t>
+            </a:r>
+          </a:p>
+        </p:txBody>
+      </p:sp>
+      <p:sp>
+        <p:nvSpPr>
+          <p:cNvPr id="3" name="Content Placeholder 2"/>
+          <p:cNvSpPr>
+            <a:spLocks noGrp="true"/>
+          </p:cNvSpPr>
+          <p:nvPr>
+            <p:ph idx="1"/>
+          </p:nvPr>
+        </p:nvSpPr>
+        <p:spPr/>
+        <p:txBody>
+          <a:bodyPr/>
+          <a:lstStyle/>
+          <a:p>
+            <a:r>
+              <a:t> It is critical for developers and Vault operators to understand</a:t>
+            </a:r>
+          </a:p>
+          <a:p>
+            <a:pPr lvl="1"/>
+            <a:r>
+              <a:t> the details of the user interaction process</a:t>
+            </a:r>
+          </a:p>
+          <a:p>
+            <a:pPr lvl="1"/>
+            <a:r>
+              <a:t> as they add integrations.</a:t>
+            </a:r>
+          </a:p>
+          <a:p>
+            <a:r>
+              <a:t> The previous section introduced this process at a high-level</a:t>
+            </a:r>
+          </a:p>
+          <a:p>
+            <a:r>
+              <a:t> Additional context on the day-to-day use of Vault</a:t>
+            </a:r>
+          </a:p>
+          <a:p>
+            <a:pPr lvl="1"/>
+            <a:r>
+              <a:t> will significantly benefit the consumers of the Vault service.</a:t>
+            </a:r>
+          </a:p>
+        </p:txBody>
+      </p:sp>
+      <p:sp>
+        <p:nvSpPr>
+          <p:cNvPr id="4" name="TextBox 3"/>
+          <p:cNvSpPr txBox="true"/>
+          <p:nvPr/>
+        </p:nvSpPr>
+        <p:spPr>
+          <a:xfrm>
+            <a:off x="704088" y="8065008"/>
+            <a:ext cx="8915400" cy="228600"/>
+          </a:xfrm>
+          <a:prstGeom prst="rect">
+            <a:avLst/>
+          </a:prstGeom>
+          <a:noFill/>
+        </p:spPr>
+        <p:txBody>
+          <a:bodyPr wrap="none">
+            <a:spAutoFit/>
+          </a:bodyPr>
+          <a:lstStyle/>
+          <a:p>
+            <a:r>
+              <a:rPr sz="800">
+                <a:solidFill>
+                  <a:srgbClr val="000000"/>
+                </a:solidFill>
+              </a:rPr>
+              <a:t>Copyright © 2021 by Elephant Scale, All Rights Reserved</a:t>
+            </a:r>
+            <a:endParaRPr sz="800">
+              <a:solidFill>
+                <a:srgbClr val="000000"/>
+              </a:solidFill>
+            </a:endParaRPr>
+          </a:p>
+        </p:txBody>
+      </p:sp>
+    </p:spTree>
+  </p:cSld>
+  <p:clrMapOvr>
+    <a:masterClrMapping/>
+  </p:clrMapOvr>
+</p:sld>
+</file>
+
+<file path=ppt/slides/slide27.xml><?xml version="1.0" encoding="utf-8"?>
+<p:sld xmlns:a="http://schemas.openxmlformats.org/drawingml/2006/main" xmlns:r="http://schemas.openxmlformats.org/officeDocument/2006/relationships" xmlns:p="http://schemas.openxmlformats.org/presentationml/2006/main">
+  <p:cSld>
+    <p:spTree>
+      <p:nvGrpSpPr>
+        <p:cNvPr id="1" name=""/>
+        <p:cNvGrpSpPr/>
+        <p:nvPr/>
+      </p:nvGrpSpPr>
+      <p:grpSpPr/>
+      <p:sp>
+        <p:nvSpPr>
+          <p:cNvPr id="2" name="Title 1"/>
+          <p:cNvSpPr>
+            <a:spLocks noGrp="true"/>
+          </p:cNvSpPr>
+          <p:nvPr>
+            <p:ph type="title"/>
+          </p:nvPr>
+        </p:nvSpPr>
+        <p:spPr/>
+        <p:txBody>
+          <a:bodyPr/>
+          <a:lstStyle/>
+          <a:p>
+            <a:r>
+              <a:t>The Vault API</a:t>
+            </a:r>
+          </a:p>
+        </p:txBody>
+      </p:sp>
+      <p:sp>
+        <p:nvSpPr>
+          <p:cNvPr id="3" name="Content Placeholder 2"/>
+          <p:cNvSpPr>
+            <a:spLocks noGrp="true"/>
+          </p:cNvSpPr>
+          <p:nvPr>
+            <p:ph idx="1"/>
+          </p:nvPr>
+        </p:nvSpPr>
+        <p:spPr/>
+        <p:txBody>
+          <a:bodyPr/>
+          <a:lstStyle/>
+          <a:p>
+            <a:r>
+              <a:t> Secrets Engines</a:t>
+            </a:r>
+          </a:p>
+          <a:p>
+            <a:pPr lvl="1"/>
+            <a:r>
+              <a:t> provide the core functionality of Vault</a:t>
+            </a:r>
+          </a:p>
+          <a:p>
+            <a:pPr lvl="1"/>
+            <a:r>
+              <a:t> maintain static values</a:t>
+            </a:r>
+          </a:p>
+          <a:p>
+            <a:pPr lvl="1"/>
+            <a:r>
+              <a:t> generate dynamic credentials</a:t>
+            </a:r>
+          </a:p>
+          <a:p>
+            <a:pPr lvl="1"/>
+            <a:r>
+              <a:t> perform cryptographic functions.</a:t>
+            </a:r>
+          </a:p>
+          <a:p>
+            <a:r>
+              <a:t> Auth Methods</a:t>
+            </a:r>
+          </a:p>
+          <a:p>
+            <a:pPr lvl="1"/>
+            <a:r>
+              <a:t> validating authentication requests from Vault clients</a:t>
+            </a:r>
+          </a:p>
+          <a:p>
+            <a:pPr lvl="1"/>
+            <a:r>
+              <a:t> authorizing the user to perform actions in Vault</a:t>
+            </a:r>
+          </a:p>
+          <a:p>
+            <a:r>
+              <a:t> System Backend</a:t>
+            </a:r>
+          </a:p>
+          <a:p>
+            <a:pPr lvl="1"/>
+            <a:r>
+              <a:t> Intended primarily for service administrators</a:t>
+            </a:r>
+          </a:p>
+          <a:p>
+            <a:pPr lvl="2"/>
+            <a:r>
+              <a:t> configure the components and features within Vault</a:t>
+            </a:r>
+          </a:p>
+        </p:txBody>
+      </p:sp>
+      <p:sp>
+        <p:nvSpPr>
+          <p:cNvPr id="4" name="TextBox 3"/>
+          <p:cNvSpPr txBox="true"/>
+          <p:nvPr/>
+        </p:nvSpPr>
+        <p:spPr>
+          <a:xfrm>
+            <a:off x="704088" y="8065008"/>
+            <a:ext cx="8915400" cy="228600"/>
+          </a:xfrm>
+          <a:prstGeom prst="rect">
+            <a:avLst/>
+          </a:prstGeom>
+          <a:noFill/>
+        </p:spPr>
+        <p:txBody>
+          <a:bodyPr wrap="none">
+            <a:spAutoFit/>
+          </a:bodyPr>
+          <a:lstStyle/>
+          <a:p>
+            <a:r>
+              <a:rPr sz="800">
+                <a:solidFill>
+                  <a:srgbClr val="000000"/>
+                </a:solidFill>
+              </a:rPr>
+              <a:t>Copyright © 2021 by Elephant Scale, All Rights Reserved</a:t>
+            </a:r>
+            <a:endParaRPr sz="800">
+              <a:solidFill>
+                <a:srgbClr val="000000"/>
+              </a:solidFill>
+            </a:endParaRPr>
+          </a:p>
+        </p:txBody>
+      </p:sp>
+    </p:spTree>
+  </p:cSld>
+  <p:clrMapOvr>
+    <a:masterClrMapping/>
+  </p:clrMapOvr>
+</p:sld>
+</file>
+
+<file path=ppt/slides/slide28.xml><?xml version="1.0" encoding="utf-8"?>
+<p:sld xmlns:a="http://schemas.openxmlformats.org/drawingml/2006/main" xmlns:r="http://schemas.openxmlformats.org/officeDocument/2006/relationships" xmlns:p="http://schemas.openxmlformats.org/presentationml/2006/main">
+  <p:cSld>
+    <p:spTree>
+      <p:nvGrpSpPr>
+        <p:cNvPr id="1" name=""/>
+        <p:cNvGrpSpPr/>
+        <p:nvPr/>
+      </p:nvGrpSpPr>
+      <p:grpSpPr/>
+      <p:sp>
+        <p:nvSpPr>
+          <p:cNvPr id="2" name="Title 1"/>
+          <p:cNvSpPr>
+            <a:spLocks noGrp="true"/>
+          </p:cNvSpPr>
+          <p:nvPr>
+            <p:ph type="title"/>
+          </p:nvPr>
+        </p:nvSpPr>
+        <p:spPr/>
+        <p:txBody>
+          <a:bodyPr/>
+          <a:lstStyle/>
+          <a:p>
+            <a:r>
+              <a:t>Vault Interfaces</a:t>
+            </a:r>
+          </a:p>
+        </p:txBody>
+      </p:sp>
+      <p:sp>
+        <p:nvSpPr>
+          <p:cNvPr id="3" name="Content Placeholder 2"/>
+          <p:cNvSpPr>
+            <a:spLocks noGrp="true"/>
+          </p:cNvSpPr>
+          <p:nvPr>
+            <p:ph idx="1"/>
+          </p:nvPr>
+        </p:nvSpPr>
+        <p:spPr/>
+        <p:txBody>
+          <a:bodyPr/>
+          <a:lstStyle/>
+          <a:p>
+            <a:r>
+              <a:t> Using the API</a:t>
+            </a:r>
+          </a:p>
+          <a:p>
+            <a:pPr lvl="1"/>
+            <a:r>
+              <a:t> Programmatic interaction with Vault occurs when an application or service calls the Vault API</a:t>
+            </a:r>
+          </a:p>
+          <a:p>
+            <a:r>
+              <a:t> Using the CLI</a:t>
+            </a:r>
+          </a:p>
+          <a:p>
+            <a:r>
+              <a:t> Before configuring traditional application integration with the API, the CLI is often used to configure Vault</a:t>
+            </a:r>
+          </a:p>
+          <a:p>
+            <a:r>
+              <a:t> Using the Web UI</a:t>
+            </a:r>
+          </a:p>
+          <a:p>
+            <a:pPr lvl="1"/>
+            <a:r>
+              <a:t> The Vault UI is accessible using modern web browsers *The UI can be accessed using the DNS name or hostname of the cluster and the configured port of the listener.</a:t>
+            </a:r>
+          </a:p>
+        </p:txBody>
+      </p:sp>
+      <p:sp>
+        <p:nvSpPr>
+          <p:cNvPr id="4" name="TextBox 3"/>
+          <p:cNvSpPr txBox="true"/>
+          <p:nvPr/>
+        </p:nvSpPr>
+        <p:spPr>
+          <a:xfrm>
+            <a:off x="704088" y="8065008"/>
+            <a:ext cx="8915400" cy="228600"/>
+          </a:xfrm>
+          <a:prstGeom prst="rect">
+            <a:avLst/>
+          </a:prstGeom>
+          <a:noFill/>
+        </p:spPr>
+        <p:txBody>
+          <a:bodyPr wrap="none">
+            <a:spAutoFit/>
+          </a:bodyPr>
+          <a:lstStyle/>
+          <a:p>
+            <a:r>
+              <a:rPr sz="800">
+                <a:solidFill>
+                  <a:srgbClr val="000000"/>
+                </a:solidFill>
+              </a:rPr>
+              <a:t>Copyright © 2021 by Elephant Scale, All Rights Reserved</a:t>
+            </a:r>
+            <a:endParaRPr sz="800">
+              <a:solidFill>
+                <a:srgbClr val="000000"/>
+              </a:solidFill>
+            </a:endParaRPr>
+          </a:p>
+        </p:txBody>
+      </p:sp>
+    </p:spTree>
+  </p:cSld>
+  <p:clrMapOvr>
+    <a:masterClrMapping/>
+  </p:clrMapOvr>
+</p:sld>
+</file>
+
+<file path=ppt/slides/slide29.xml><?xml version="1.0" encoding="utf-8"?>
+<p:sld xmlns:a="http://schemas.openxmlformats.org/drawingml/2006/main" xmlns:r="http://schemas.openxmlformats.org/officeDocument/2006/relationships" xmlns:p="http://schemas.openxmlformats.org/presentationml/2006/main">
+  <p:cSld>
+    <p:spTree>
+      <p:nvGrpSpPr>
+        <p:cNvPr id="1" name=""/>
+        <p:cNvGrpSpPr/>
+        <p:nvPr/>
+      </p:nvGrpSpPr>
+      <p:grpSpPr/>
+      <p:sp>
+        <p:nvSpPr>
+          <p:cNvPr id="2" name="Title 1"/>
+          <p:cNvSpPr>
+            <a:spLocks noGrp="true"/>
+          </p:cNvSpPr>
+          <p:nvPr>
+            <p:ph type="title"/>
+          </p:nvPr>
+        </p:nvSpPr>
+        <p:spPr/>
+        <p:txBody>
+          <a:bodyPr/>
+          <a:lstStyle/>
+          <a:p>
+            <a:r>
+              <a:t>General Consumer Interaction</a:t>
+            </a:r>
+          </a:p>
+        </p:txBody>
+      </p:sp>
+      <p:sp>
+        <p:nvSpPr>
+          <p:cNvPr id="3" name="Content Placeholder 2"/>
+          <p:cNvSpPr>
+            <a:spLocks noGrp="true"/>
+          </p:cNvSpPr>
+          <p:nvPr>
+            <p:ph idx="1"/>
+          </p:nvPr>
+        </p:nvSpPr>
+        <p:spPr/>
+        <p:txBody>
+          <a:bodyPr/>
+          <a:lstStyle/>
+          <a:p>
+            <a:r>
+              <a:t> Basic human actions executed against the Vault service.</a:t>
+            </a:r>
+          </a:p>
+          <a:p>
+            <a:pPr lvl="1"/>
+            <a:r>
+              <a:t> authenticate with Vault</a:t>
+            </a:r>
+          </a:p>
+          <a:p>
+            <a:pPr lvl="1"/>
+            <a:r>
+              <a:t> receive an access token</a:t>
+            </a:r>
+          </a:p>
+          <a:p>
+            <a:pPr lvl="1"/>
+            <a:r>
+              <a:t> use the token to manage Vault or read a secret.</a:t>
+            </a:r>
+          </a:p>
         </p:txBody>
       </p:sp>
       <p:sp>
@@ -5231,6 +7501,1024 @@
 </p:sld>
 </file>
 
+<file path=ppt/slides/slide30.xml><?xml version="1.0" encoding="utf-8"?>
+<p:sld xmlns:a="http://schemas.openxmlformats.org/drawingml/2006/main" xmlns:r="http://schemas.openxmlformats.org/officeDocument/2006/relationships" xmlns:p="http://schemas.openxmlformats.org/presentationml/2006/main">
+  <p:cSld>
+    <p:spTree>
+      <p:nvGrpSpPr>
+        <p:cNvPr id="1" name=""/>
+        <p:cNvGrpSpPr/>
+        <p:nvPr/>
+      </p:nvGrpSpPr>
+      <p:grpSpPr/>
+      <p:sp>
+        <p:nvSpPr>
+          <p:cNvPr id="2" name="Title 1"/>
+          <p:cNvSpPr>
+            <a:spLocks noGrp="true"/>
+          </p:cNvSpPr>
+          <p:nvPr>
+            <p:ph type="title"/>
+          </p:nvPr>
+        </p:nvSpPr>
+        <p:spPr/>
+        <p:txBody>
+          <a:bodyPr/>
+          <a:lstStyle/>
+          <a:p>
+            <a:r>
+              <a:t>General Consumer Interaction</a:t>
+            </a:r>
+          </a:p>
+        </p:txBody>
+      </p:sp>
+      <p:sp>
+        <p:nvSpPr>
+          <p:cNvPr id="3" name="Content Placeholder 2"/>
+          <p:cNvSpPr>
+            <a:spLocks noGrp="true"/>
+          </p:cNvSpPr>
+          <p:nvPr>
+            <p:ph idx="1"/>
+          </p:nvPr>
+        </p:nvSpPr>
+        <p:spPr/>
+        <p:txBody>
+          <a:bodyPr/>
+          <a:lstStyle/>
+          <a:p/>
+          <a:p/>
+          <a:p/>
+          <a:p/>
+          <a:p/>
+          <a:p/>
+          <a:p/>
+          <a:p/>
+          <a:p/>
+        </p:txBody>
+      </p:sp>
+      <p:sp>
+        <p:nvSpPr>
+          <p:cNvPr id="4" name="TextBox 3"/>
+          <p:cNvSpPr txBox="true"/>
+          <p:nvPr/>
+        </p:nvSpPr>
+        <p:spPr>
+          <a:xfrm>
+            <a:off x="704088" y="8065008"/>
+            <a:ext cx="8915400" cy="228600"/>
+          </a:xfrm>
+          <a:prstGeom prst="rect">
+            <a:avLst/>
+          </a:prstGeom>
+          <a:noFill/>
+        </p:spPr>
+        <p:txBody>
+          <a:bodyPr wrap="none">
+            <a:spAutoFit/>
+          </a:bodyPr>
+          <a:lstStyle/>
+          <a:p>
+            <a:r>
+              <a:rPr sz="800">
+                <a:solidFill>
+                  <a:srgbClr val="000000"/>
+                </a:solidFill>
+              </a:rPr>
+              <a:t>Copyright © 2021 by Elephant Scale, All Rights Reserved</a:t>
+            </a:r>
+            <a:endParaRPr sz="800">
+              <a:solidFill>
+                <a:srgbClr val="000000"/>
+              </a:solidFill>
+            </a:endParaRPr>
+          </a:p>
+        </p:txBody>
+      </p:sp>
+      <p:pic>
+        <p:nvPicPr>
+          <p:cNvPr id="5" name="Picture 4" descr="fig1-2.png"/>
+          <p:cNvPicPr>
+            <a:picLocks noChangeAspect="true"/>
+          </p:cNvPicPr>
+          <p:nvPr/>
+        </p:nvPicPr>
+        <p:blipFill>
+          <a:blip r:embed="rId1"/>
+          <a:stretch>
+            <a:fillRect/>
+          </a:stretch>
+        </p:blipFill>
+        <p:spPr>
+          <a:xfrm>
+            <a:off x="704215" y="1642745"/>
+            <a:ext cx="7962900" cy="4478655"/>
+          </a:xfrm>
+          <a:prstGeom prst="rect">
+            <a:avLst/>
+          </a:prstGeom>
+        </p:spPr>
+      </p:pic>
+    </p:spTree>
+  </p:cSld>
+  <p:clrMapOvr>
+    <a:masterClrMapping/>
+  </p:clrMapOvr>
+</p:sld>
+</file>
+
+<file path=ppt/slides/slide31.xml><?xml version="1.0" encoding="utf-8"?>
+<p:sld xmlns:a="http://schemas.openxmlformats.org/drawingml/2006/main" xmlns:r="http://schemas.openxmlformats.org/officeDocument/2006/relationships" xmlns:p="http://schemas.openxmlformats.org/presentationml/2006/main">
+  <p:cSld>
+    <p:spTree>
+      <p:nvGrpSpPr>
+        <p:cNvPr id="1" name=""/>
+        <p:cNvGrpSpPr/>
+        <p:nvPr/>
+      </p:nvGrpSpPr>
+      <p:grpSpPr/>
+      <p:sp>
+        <p:nvSpPr>
+          <p:cNvPr id="2" name="Title 1"/>
+          <p:cNvSpPr>
+            <a:spLocks noGrp="true"/>
+          </p:cNvSpPr>
+          <p:nvPr>
+            <p:ph type="title"/>
+          </p:nvPr>
+        </p:nvSpPr>
+        <p:spPr/>
+        <p:txBody>
+          <a:bodyPr/>
+          <a:lstStyle/>
+          <a:p>
+            <a:r>
+              <a:t>Administrative Interaction</a:t>
+            </a:r>
+          </a:p>
+        </p:txBody>
+      </p:sp>
+      <p:sp>
+        <p:nvSpPr>
+          <p:cNvPr id="3" name="Content Placeholder 2"/>
+          <p:cNvSpPr>
+            <a:spLocks noGrp="true"/>
+          </p:cNvSpPr>
+          <p:nvPr>
+            <p:ph idx="1"/>
+          </p:nvPr>
+        </p:nvSpPr>
+        <p:spPr/>
+        <p:txBody>
+          <a:bodyPr/>
+          <a:lstStyle/>
+          <a:p>
+            <a:r>
+              <a:t> Human entity usually performs administrative interactions during both the deployment and initial management phases of the Vault service.</a:t>
+            </a:r>
+          </a:p>
+          <a:p>
+            <a:r>
+              <a:t> Tend to shift to programmatic interactions as the service matures</a:t>
+            </a:r>
+          </a:p>
+          <a:p>
+            <a:r>
+              <a:t> However, administrative interactions shift toward management of the Vault service rather than the management of secrets.</a:t>
+            </a:r>
+          </a:p>
+        </p:txBody>
+      </p:sp>
+      <p:sp>
+        <p:nvSpPr>
+          <p:cNvPr id="4" name="TextBox 3"/>
+          <p:cNvSpPr txBox="true"/>
+          <p:nvPr/>
+        </p:nvSpPr>
+        <p:spPr>
+          <a:xfrm>
+            <a:off x="704088" y="8065008"/>
+            <a:ext cx="8915400" cy="228600"/>
+          </a:xfrm>
+          <a:prstGeom prst="rect">
+            <a:avLst/>
+          </a:prstGeom>
+          <a:noFill/>
+        </p:spPr>
+        <p:txBody>
+          <a:bodyPr wrap="none">
+            <a:spAutoFit/>
+          </a:bodyPr>
+          <a:lstStyle/>
+          <a:p>
+            <a:r>
+              <a:rPr sz="800">
+                <a:solidFill>
+                  <a:srgbClr val="000000"/>
+                </a:solidFill>
+              </a:rPr>
+              <a:t>Copyright © 2021 by Elephant Scale, All Rights Reserved</a:t>
+            </a:r>
+            <a:endParaRPr sz="800">
+              <a:solidFill>
+                <a:srgbClr val="000000"/>
+              </a:solidFill>
+            </a:endParaRPr>
+          </a:p>
+        </p:txBody>
+      </p:sp>
+    </p:spTree>
+  </p:cSld>
+  <p:clrMapOvr>
+    <a:masterClrMapping/>
+  </p:clrMapOvr>
+</p:sld>
+</file>
+
+<file path=ppt/slides/slide32.xml><?xml version="1.0" encoding="utf-8"?>
+<p:sld xmlns:a="http://schemas.openxmlformats.org/drawingml/2006/main" xmlns:r="http://schemas.openxmlformats.org/officeDocument/2006/relationships" xmlns:p="http://schemas.openxmlformats.org/presentationml/2006/main">
+  <p:cSld>
+    <p:spTree>
+      <p:nvGrpSpPr>
+        <p:cNvPr id="1" name=""/>
+        <p:cNvGrpSpPr/>
+        <p:nvPr/>
+      </p:nvGrpSpPr>
+      <p:grpSpPr/>
+      <p:sp>
+        <p:nvSpPr>
+          <p:cNvPr id="2" name="Title 1"/>
+          <p:cNvSpPr>
+            <a:spLocks noGrp="true"/>
+          </p:cNvSpPr>
+          <p:nvPr>
+            <p:ph type="title"/>
+          </p:nvPr>
+        </p:nvSpPr>
+        <p:spPr/>
+        <p:txBody>
+          <a:bodyPr/>
+          <a:lstStyle/>
+          <a:p>
+            <a:r>
+              <a:t>More Administrative Interaction</a:t>
+            </a:r>
+          </a:p>
+        </p:txBody>
+      </p:sp>
+      <p:sp>
+        <p:nvSpPr>
+          <p:cNvPr id="3" name="Content Placeholder 2"/>
+          <p:cNvSpPr>
+            <a:spLocks noGrp="true"/>
+          </p:cNvSpPr>
+          <p:nvPr>
+            <p:ph idx="1"/>
+          </p:nvPr>
+        </p:nvSpPr>
+        <p:spPr/>
+        <p:txBody>
+          <a:bodyPr/>
+          <a:lstStyle/>
+          <a:p>
+            <a:r>
+              <a:t> It is common to use Endpoint Governing Policies (EGPs) to ensure the second factor of authentication is used for privileged users.</a:t>
+            </a:r>
+          </a:p>
+          <a:p>
+            <a:r>
+              <a:t> For example</a:t>
+            </a:r>
+          </a:p>
+          <a:p>
+            <a:pPr lvl="1"/>
+            <a:r>
+              <a:t> all Vault users need to provide an LDAP username and password.</a:t>
+            </a:r>
+          </a:p>
+          <a:p>
+            <a:pPr lvl="1"/>
+            <a:r>
+              <a:t> Vault administrators must also use a second factor of authentication, such as an Okta Verify push notification.</a:t>
+            </a:r>
+          </a:p>
+          <a:p>
+            <a:pPr lvl="1"/>
+            <a:r>
+              <a:t> Increases the security of privileged user access.</a:t>
+            </a:r>
+          </a:p>
+          <a:p>
+            <a:pPr lvl="1"/>
+            <a:r>
+              <a:t> configuring the Okta push to trigger at auth/ldap would initiate an Okta push for all users authenticating through LDAP</a:t>
+            </a:r>
+          </a:p>
+        </p:txBody>
+      </p:sp>
+      <p:sp>
+        <p:nvSpPr>
+          <p:cNvPr id="4" name="TextBox 3"/>
+          <p:cNvSpPr txBox="true"/>
+          <p:nvPr/>
+        </p:nvSpPr>
+        <p:spPr>
+          <a:xfrm>
+            <a:off x="704088" y="8065008"/>
+            <a:ext cx="8915400" cy="228600"/>
+          </a:xfrm>
+          <a:prstGeom prst="rect">
+            <a:avLst/>
+          </a:prstGeom>
+          <a:noFill/>
+        </p:spPr>
+        <p:txBody>
+          <a:bodyPr wrap="none">
+            <a:spAutoFit/>
+          </a:bodyPr>
+          <a:lstStyle/>
+          <a:p>
+            <a:r>
+              <a:rPr sz="800">
+                <a:solidFill>
+                  <a:srgbClr val="000000"/>
+                </a:solidFill>
+              </a:rPr>
+              <a:t>Copyright © 2021 by Elephant Scale, All Rights Reserved</a:t>
+            </a:r>
+            <a:endParaRPr sz="800">
+              <a:solidFill>
+                <a:srgbClr val="000000"/>
+              </a:solidFill>
+            </a:endParaRPr>
+          </a:p>
+        </p:txBody>
+      </p:sp>
+    </p:spTree>
+  </p:cSld>
+  <p:clrMapOvr>
+    <a:masterClrMapping/>
+  </p:clrMapOvr>
+</p:sld>
+</file>
+
+<file path=ppt/slides/slide33.xml><?xml version="1.0" encoding="utf-8"?>
+<p:sld xmlns:a="http://schemas.openxmlformats.org/drawingml/2006/main" xmlns:r="http://schemas.openxmlformats.org/officeDocument/2006/relationships" xmlns:p="http://schemas.openxmlformats.org/presentationml/2006/main">
+  <p:cSld>
+    <p:spTree>
+      <p:nvGrpSpPr>
+        <p:cNvPr id="1" name=""/>
+        <p:cNvGrpSpPr/>
+        <p:nvPr/>
+      </p:nvGrpSpPr>
+      <p:grpSpPr/>
+      <p:sp>
+        <p:nvSpPr>
+          <p:cNvPr id="2" name="Title 1"/>
+          <p:cNvSpPr>
+            <a:spLocks noGrp="true"/>
+          </p:cNvSpPr>
+          <p:nvPr>
+            <p:ph type="title"/>
+          </p:nvPr>
+        </p:nvSpPr>
+        <p:spPr/>
+        <p:txBody>
+          <a:bodyPr/>
+          <a:lstStyle/>
+          <a:p>
+            <a:r>
+              <a:t>Admin interaction example</a:t>
+            </a:r>
+          </a:p>
+        </p:txBody>
+      </p:sp>
+      <p:sp>
+        <p:nvSpPr>
+          <p:cNvPr id="3" name="Content Placeholder 2"/>
+          <p:cNvSpPr>
+            <a:spLocks noGrp="true"/>
+          </p:cNvSpPr>
+          <p:nvPr>
+            <p:ph idx="1"/>
+          </p:nvPr>
+        </p:nvSpPr>
+        <p:spPr/>
+        <p:txBody>
+          <a:bodyPr/>
+          <a:lstStyle/>
+          <a:p/>
+          <a:p/>
+          <a:p/>
+          <a:p/>
+          <a:p/>
+          <a:p/>
+          <a:p/>
+          <a:p/>
+          <a:p/>
+          <a:p/>
+          <a:p/>
+          <a:p/>
+        </p:txBody>
+      </p:sp>
+      <p:sp>
+        <p:nvSpPr>
+          <p:cNvPr id="4" name="TextBox 3"/>
+          <p:cNvSpPr txBox="true"/>
+          <p:nvPr/>
+        </p:nvSpPr>
+        <p:spPr>
+          <a:xfrm>
+            <a:off x="704088" y="8065008"/>
+            <a:ext cx="8915400" cy="228600"/>
+          </a:xfrm>
+          <a:prstGeom prst="rect">
+            <a:avLst/>
+          </a:prstGeom>
+          <a:noFill/>
+        </p:spPr>
+        <p:txBody>
+          <a:bodyPr wrap="none">
+            <a:spAutoFit/>
+          </a:bodyPr>
+          <a:lstStyle/>
+          <a:p>
+            <a:r>
+              <a:rPr sz="800">
+                <a:solidFill>
+                  <a:srgbClr val="000000"/>
+                </a:solidFill>
+              </a:rPr>
+              <a:t>Copyright © 2021 by Elephant Scale, All Rights Reserved</a:t>
+            </a:r>
+            <a:endParaRPr sz="800">
+              <a:solidFill>
+                <a:srgbClr val="000000"/>
+              </a:solidFill>
+            </a:endParaRPr>
+          </a:p>
+        </p:txBody>
+      </p:sp>
+      <p:pic>
+        <p:nvPicPr>
+          <p:cNvPr id="5" name="Picture 4" descr="fig1-3.png"/>
+          <p:cNvPicPr>
+            <a:picLocks noChangeAspect="true"/>
+          </p:cNvPicPr>
+          <p:nvPr/>
+        </p:nvPicPr>
+        <p:blipFill>
+          <a:blip r:embed="rId1"/>
+          <a:stretch>
+            <a:fillRect/>
+          </a:stretch>
+        </p:blipFill>
+        <p:spPr>
+          <a:xfrm>
+            <a:off x="1001395" y="1511300"/>
+            <a:ext cx="7186295" cy="5274310"/>
+          </a:xfrm>
+          <a:prstGeom prst="rect">
+            <a:avLst/>
+          </a:prstGeom>
+        </p:spPr>
+      </p:pic>
+    </p:spTree>
+  </p:cSld>
+  <p:clrMapOvr>
+    <a:masterClrMapping/>
+  </p:clrMapOvr>
+</p:sld>
+</file>
+
+<file path=ppt/slides/slide34.xml><?xml version="1.0" encoding="utf-8"?>
+<p:sld xmlns:a="http://schemas.openxmlformats.org/drawingml/2006/main" xmlns:r="http://schemas.openxmlformats.org/officeDocument/2006/relationships" xmlns:p="http://schemas.openxmlformats.org/presentationml/2006/main">
+  <p:cSld>
+    <p:spTree>
+      <p:nvGrpSpPr>
+        <p:cNvPr id="1" name=""/>
+        <p:cNvGrpSpPr/>
+        <p:nvPr/>
+      </p:nvGrpSpPr>
+      <p:grpSpPr/>
+      <p:sp>
+        <p:nvSpPr>
+          <p:cNvPr id="2" name="Title 1"/>
+          <p:cNvSpPr>
+            <a:spLocks noGrp="true"/>
+          </p:cNvSpPr>
+          <p:nvPr>
+            <p:ph type="title"/>
+          </p:nvPr>
+        </p:nvSpPr>
+        <p:spPr/>
+        <p:txBody>
+          <a:bodyPr/>
+          <a:lstStyle/>
+          <a:p>
+            <a:r>
+              <a:t>Security and Compliance Interaction</a:t>
+            </a:r>
+          </a:p>
+        </p:txBody>
+      </p:sp>
+      <p:sp>
+        <p:nvSpPr>
+          <p:cNvPr id="3" name="Content Placeholder 2"/>
+          <p:cNvSpPr>
+            <a:spLocks noGrp="true"/>
+          </p:cNvSpPr>
+          <p:nvPr>
+            <p:ph idx="1"/>
+          </p:nvPr>
+        </p:nvSpPr>
+        <p:spPr/>
+        <p:txBody>
+          <a:bodyPr/>
+          <a:lstStyle/>
+          <a:p>
+            <a:r>
+              <a:t> Security and compliance personnel must ensure the Vault service is secure</a:t>
+            </a:r>
+          </a:p>
+          <a:p>
+            <a:r>
+              <a:t> security and compliance personnel have secrets that need to be stored and managed.</a:t>
+            </a:r>
+          </a:p>
+          <a:p>
+            <a:r>
+              <a:t> Also, need to ensure that the Vault service is being consumed in a secure and compliant manner</a:t>
+            </a:r>
+          </a:p>
+          <a:p>
+            <a:pPr lvl="1"/>
+            <a:r>
+              <a:t> penetration testing</a:t>
+            </a:r>
+          </a:p>
+          <a:p>
+            <a:pPr lvl="1"/>
+            <a:r>
+              <a:t> static code analysis.</a:t>
+            </a:r>
+          </a:p>
+          <a:p>
+            <a:pPr lvl="1"/>
+            <a:r>
+              <a:t> Frequently use the Vault audit data to monitor operations using log aggregation and analytics tools</a:t>
+            </a:r>
+          </a:p>
+          <a:p>
+            <a:pPr lvl="2"/>
+            <a:r>
+              <a:t> Splunk or an ELK stack</a:t>
+            </a:r>
+          </a:p>
+        </p:txBody>
+      </p:sp>
+      <p:sp>
+        <p:nvSpPr>
+          <p:cNvPr id="4" name="TextBox 3"/>
+          <p:cNvSpPr txBox="true"/>
+          <p:nvPr/>
+        </p:nvSpPr>
+        <p:spPr>
+          <a:xfrm>
+            <a:off x="704088" y="8065008"/>
+            <a:ext cx="8915400" cy="228600"/>
+          </a:xfrm>
+          <a:prstGeom prst="rect">
+            <a:avLst/>
+          </a:prstGeom>
+          <a:noFill/>
+        </p:spPr>
+        <p:txBody>
+          <a:bodyPr wrap="none">
+            <a:spAutoFit/>
+          </a:bodyPr>
+          <a:lstStyle/>
+          <a:p>
+            <a:r>
+              <a:rPr sz="800">
+                <a:solidFill>
+                  <a:srgbClr val="000000"/>
+                </a:solidFill>
+              </a:rPr>
+              <a:t>Copyright © 2021 by Elephant Scale, All Rights Reserved</a:t>
+            </a:r>
+            <a:endParaRPr sz="800">
+              <a:solidFill>
+                <a:srgbClr val="000000"/>
+              </a:solidFill>
+            </a:endParaRPr>
+          </a:p>
+        </p:txBody>
+      </p:sp>
+    </p:spTree>
+  </p:cSld>
+  <p:clrMapOvr>
+    <a:masterClrMapping/>
+  </p:clrMapOvr>
+</p:sld>
+</file>
+
+<file path=ppt/slides/slide35.xml><?xml version="1.0" encoding="utf-8"?>
+<p:sld xmlns:a="http://schemas.openxmlformats.org/drawingml/2006/main" xmlns:r="http://schemas.openxmlformats.org/officeDocument/2006/relationships" xmlns:p="http://schemas.openxmlformats.org/presentationml/2006/main">
+  <p:cSld>
+    <p:spTree>
+      <p:nvGrpSpPr>
+        <p:cNvPr id="1" name=""/>
+        <p:cNvGrpSpPr/>
+        <p:nvPr/>
+      </p:nvGrpSpPr>
+      <p:grpSpPr/>
+      <p:sp>
+        <p:nvSpPr>
+          <p:cNvPr id="2" name="Title 1"/>
+          <p:cNvSpPr>
+            <a:spLocks noGrp="true"/>
+          </p:cNvSpPr>
+          <p:nvPr>
+            <p:ph type="title"/>
+          </p:nvPr>
+        </p:nvSpPr>
+        <p:spPr/>
+        <p:txBody>
+          <a:bodyPr/>
+          <a:lstStyle/>
+          <a:p>
+            <a:r>
+              <a:t>Security flow example</a:t>
+            </a:r>
+          </a:p>
+        </p:txBody>
+      </p:sp>
+      <p:sp>
+        <p:nvSpPr>
+          <p:cNvPr id="3" name="Content Placeholder 2"/>
+          <p:cNvSpPr>
+            <a:spLocks noGrp="true"/>
+          </p:cNvSpPr>
+          <p:nvPr>
+            <p:ph idx="1"/>
+          </p:nvPr>
+        </p:nvSpPr>
+        <p:spPr/>
+        <p:txBody>
+          <a:bodyPr/>
+          <a:lstStyle/>
+          <a:p/>
+          <a:p/>
+          <a:p/>
+          <a:p/>
+          <a:p/>
+        </p:txBody>
+      </p:sp>
+      <p:sp>
+        <p:nvSpPr>
+          <p:cNvPr id="4" name="TextBox 3"/>
+          <p:cNvSpPr txBox="true"/>
+          <p:nvPr/>
+        </p:nvSpPr>
+        <p:spPr>
+          <a:xfrm>
+            <a:off x="704088" y="8065008"/>
+            <a:ext cx="8915400" cy="228600"/>
+          </a:xfrm>
+          <a:prstGeom prst="rect">
+            <a:avLst/>
+          </a:prstGeom>
+          <a:noFill/>
+        </p:spPr>
+        <p:txBody>
+          <a:bodyPr wrap="none">
+            <a:spAutoFit/>
+          </a:bodyPr>
+          <a:lstStyle/>
+          <a:p>
+            <a:r>
+              <a:rPr sz="800">
+                <a:solidFill>
+                  <a:srgbClr val="000000"/>
+                </a:solidFill>
+              </a:rPr>
+              <a:t>Copyright © 2021 by Elephant Scale, All Rights Reserved</a:t>
+            </a:r>
+            <a:endParaRPr sz="800">
+              <a:solidFill>
+                <a:srgbClr val="000000"/>
+              </a:solidFill>
+            </a:endParaRPr>
+          </a:p>
+        </p:txBody>
+      </p:sp>
+      <p:pic>
+        <p:nvPicPr>
+          <p:cNvPr id="5" name="Picture 4" descr="fig1-4.png"/>
+          <p:cNvPicPr>
+            <a:picLocks noChangeAspect="true"/>
+          </p:cNvPicPr>
+          <p:nvPr/>
+        </p:nvPicPr>
+        <p:blipFill>
+          <a:blip r:embed="rId1"/>
+          <a:stretch>
+            <a:fillRect/>
+          </a:stretch>
+        </p:blipFill>
+        <p:spPr>
+          <a:xfrm>
+            <a:off x="704215" y="1447165"/>
+            <a:ext cx="8197850" cy="2362835"/>
+          </a:xfrm>
+          <a:prstGeom prst="rect">
+            <a:avLst/>
+          </a:prstGeom>
+        </p:spPr>
+      </p:pic>
+    </p:spTree>
+  </p:cSld>
+  <p:clrMapOvr>
+    <a:masterClrMapping/>
+  </p:clrMapOvr>
+</p:sld>
+</file>
+
+<file path=ppt/slides/slide36.xml><?xml version="1.0" encoding="utf-8"?>
+<p:sld xmlns:a="http://schemas.openxmlformats.org/drawingml/2006/main" xmlns:r="http://schemas.openxmlformats.org/officeDocument/2006/relationships" xmlns:p="http://schemas.openxmlformats.org/presentationml/2006/main">
+  <p:cSld>
+    <p:spTree>
+      <p:nvGrpSpPr>
+        <p:cNvPr id="1" name=""/>
+        <p:cNvGrpSpPr/>
+        <p:nvPr/>
+      </p:nvGrpSpPr>
+      <p:grpSpPr/>
+      <p:sp>
+        <p:nvSpPr>
+          <p:cNvPr id="2" name="Title 1"/>
+          <p:cNvSpPr>
+            <a:spLocks noGrp="true"/>
+          </p:cNvSpPr>
+          <p:nvPr>
+            <p:ph type="title"/>
+          </p:nvPr>
+        </p:nvSpPr>
+        <p:spPr/>
+        <p:txBody>
+          <a:bodyPr/>
+          <a:lstStyle/>
+          <a:p>
+            <a:r>
+              <a:t>Vault Programmatic Interaction</a:t>
+            </a:r>
+          </a:p>
+        </p:txBody>
+      </p:sp>
+      <p:sp>
+        <p:nvSpPr>
+          <p:cNvPr id="3" name="Content Placeholder 2"/>
+          <p:cNvSpPr>
+            <a:spLocks noGrp="true"/>
+          </p:cNvSpPr>
+          <p:nvPr>
+            <p:ph idx="1"/>
+          </p:nvPr>
+        </p:nvSpPr>
+        <p:spPr/>
+        <p:txBody>
+          <a:bodyPr/>
+          <a:lstStyle/>
+          <a:p>
+            <a:r>
+              <a:t> Vault has robust API</a:t>
+            </a:r>
+          </a:p>
+          <a:p>
+            <a:pPr lvl="1"/>
+            <a:r>
+              <a:t> For DevOps and public cloud migration</a:t>
+            </a:r>
+          </a:p>
+          <a:p>
+            <a:r>
+              <a:t> The</a:t>
+            </a:r>
+          </a:p>
+          <a:p>
+            <a:pPr lvl="1"/>
+            <a:r>
+              <a:t> Have the majority of interactions take place through automation using the API directly</a:t>
+            </a:r>
+          </a:p>
+          <a:p>
+            <a:pPr lvl="2"/>
+            <a:r>
+              <a:t> authenticate with Vault,</a:t>
+            </a:r>
+          </a:p>
+          <a:p>
+            <a:pPr lvl="2"/>
+            <a:r>
+              <a:t> receive a token</a:t>
+            </a:r>
+          </a:p>
+          <a:p>
+            <a:pPr lvl="2"/>
+            <a:r>
+              <a:t> use it to retrieve a secret.</a:t>
+            </a:r>
+          </a:p>
+          <a:p>
+            <a:r>
+              <a:t> AppRole auth method</a:t>
+            </a:r>
+          </a:p>
+          <a:p>
+            <a:pPr lvl="1"/>
+            <a:r>
+              <a:t> RoleID (username) and a SecretID (password)</a:t>
+            </a:r>
+          </a:p>
+          <a:p>
+            <a:pPr lvl="1"/>
+            <a:r>
+              <a:t> the client receives a token in response that can be used to retrieve a secret.</a:t>
+            </a:r>
+          </a:p>
+        </p:txBody>
+      </p:sp>
+      <p:sp>
+        <p:nvSpPr>
+          <p:cNvPr id="4" name="TextBox 3"/>
+          <p:cNvSpPr txBox="true"/>
+          <p:nvPr/>
+        </p:nvSpPr>
+        <p:spPr>
+          <a:xfrm>
+            <a:off x="704088" y="8065008"/>
+            <a:ext cx="8915400" cy="228600"/>
+          </a:xfrm>
+          <a:prstGeom prst="rect">
+            <a:avLst/>
+          </a:prstGeom>
+          <a:noFill/>
+        </p:spPr>
+        <p:txBody>
+          <a:bodyPr wrap="none">
+            <a:spAutoFit/>
+          </a:bodyPr>
+          <a:lstStyle/>
+          <a:p>
+            <a:r>
+              <a:rPr sz="800">
+                <a:solidFill>
+                  <a:srgbClr val="000000"/>
+                </a:solidFill>
+              </a:rPr>
+              <a:t>Copyright © 2021 by Elephant Scale, All Rights Reserved</a:t>
+            </a:r>
+            <a:endParaRPr sz="800">
+              <a:solidFill>
+                <a:srgbClr val="000000"/>
+              </a:solidFill>
+            </a:endParaRPr>
+          </a:p>
+        </p:txBody>
+      </p:sp>
+    </p:spTree>
+  </p:cSld>
+  <p:clrMapOvr>
+    <a:masterClrMapping/>
+  </p:clrMapOvr>
+</p:sld>
+</file>
+
+<file path=ppt/slides/slide37.xml><?xml version="1.0" encoding="utf-8"?>
+<p:sld xmlns:a="http://schemas.openxmlformats.org/drawingml/2006/main" xmlns:r="http://schemas.openxmlformats.org/officeDocument/2006/relationships" xmlns:p="http://schemas.openxmlformats.org/presentationml/2006/main">
+  <p:cSld>
+    <p:spTree>
+      <p:nvGrpSpPr>
+        <p:cNvPr id="1" name=""/>
+        <p:cNvGrpSpPr/>
+        <p:nvPr/>
+      </p:nvGrpSpPr>
+      <p:grpSpPr/>
+      <p:sp>
+        <p:nvSpPr>
+          <p:cNvPr id="2" name="Title 1"/>
+          <p:cNvSpPr>
+            <a:spLocks noGrp="true"/>
+          </p:cNvSpPr>
+          <p:nvPr>
+            <p:ph type="title"/>
+          </p:nvPr>
+        </p:nvSpPr>
+        <p:spPr/>
+        <p:txBody>
+          <a:bodyPr/>
+          <a:lstStyle/>
+          <a:p>
+            <a:r>
+              <a:t>Programmatic Interaction</a:t>
+            </a:r>
+          </a:p>
+        </p:txBody>
+      </p:sp>
+      <p:sp>
+        <p:nvSpPr>
+          <p:cNvPr id="3" name="Content Placeholder 2"/>
+          <p:cNvSpPr>
+            <a:spLocks noGrp="true"/>
+          </p:cNvSpPr>
+          <p:nvPr>
+            <p:ph idx="1"/>
+          </p:nvPr>
+        </p:nvSpPr>
+        <p:spPr/>
+        <p:txBody>
+          <a:bodyPr/>
+          <a:lstStyle/>
+          <a:p/>
+          <a:p/>
+          <a:p/>
+          <a:p/>
+          <a:p/>
+          <a:p/>
+          <a:p/>
+        </p:txBody>
+      </p:sp>
+      <p:sp>
+        <p:nvSpPr>
+          <p:cNvPr id="4" name="TextBox 3"/>
+          <p:cNvSpPr txBox="true"/>
+          <p:nvPr/>
+        </p:nvSpPr>
+        <p:spPr>
+          <a:xfrm>
+            <a:off x="704088" y="8065008"/>
+            <a:ext cx="8915400" cy="228600"/>
+          </a:xfrm>
+          <a:prstGeom prst="rect">
+            <a:avLst/>
+          </a:prstGeom>
+          <a:noFill/>
+        </p:spPr>
+        <p:txBody>
+          <a:bodyPr wrap="none">
+            <a:spAutoFit/>
+          </a:bodyPr>
+          <a:lstStyle/>
+          <a:p>
+            <a:r>
+              <a:rPr sz="800">
+                <a:solidFill>
+                  <a:srgbClr val="000000"/>
+                </a:solidFill>
+              </a:rPr>
+              <a:t>Copyright © 2021 by Elephant Scale, All Rights Reserved</a:t>
+            </a:r>
+            <a:endParaRPr sz="800">
+              <a:solidFill>
+                <a:srgbClr val="000000"/>
+              </a:solidFill>
+            </a:endParaRPr>
+          </a:p>
+        </p:txBody>
+      </p:sp>
+      <p:pic>
+        <p:nvPicPr>
+          <p:cNvPr id="5" name="Picture 4" descr="fig1-5.png"/>
+          <p:cNvPicPr>
+            <a:picLocks noChangeAspect="true"/>
+          </p:cNvPicPr>
+          <p:nvPr/>
+        </p:nvPicPr>
+        <p:blipFill>
+          <a:blip r:embed="rId1"/>
+          <a:stretch>
+            <a:fillRect/>
+          </a:stretch>
+        </p:blipFill>
+        <p:spPr>
+          <a:xfrm>
+            <a:off x="704215" y="1564005"/>
+            <a:ext cx="8112125" cy="2957195"/>
+          </a:xfrm>
+          <a:prstGeom prst="rect">
+            <a:avLst/>
+          </a:prstGeom>
+        </p:spPr>
+      </p:pic>
+    </p:spTree>
+  </p:cSld>
+  <p:clrMapOvr>
+    <a:masterClrMapping/>
+  </p:clrMapOvr>
+</p:sld>
+</file>
+
 <file path=ppt/slides/slide4.xml><?xml version="1.0" encoding="utf-8"?>
 <p:sld xmlns:a="http://schemas.openxmlformats.org/drawingml/2006/main" xmlns:r="http://schemas.openxmlformats.org/officeDocument/2006/relationships" xmlns:p="http://schemas.openxmlformats.org/presentationml/2006/main">
   <p:cSld>
@@ -6020,7 +9308,7 @@
         </p:blipFill>
         <p:spPr>
           <a:xfrm>
-            <a:off x="704088" y="3547872"/>
+            <a:off x="704723" y="4011422"/>
             <a:ext cx="3735359" cy="3310128"/>
           </a:xfrm>
           <a:prstGeom prst="rect">
